--- a/GAMMs for LVC.pptx
+++ b/GAMMs for LVC.pptx
@@ -5,7 +5,7 @@
     <p:sldMasterId id="2147483660" r:id="rId1"/>
   </p:sldMasterIdLst>
   <p:notesMasterIdLst>
-    <p:notesMasterId r:id="rId9"/>
+    <p:notesMasterId r:id="rId14"/>
   </p:notesMasterIdLst>
   <p:sldIdLst>
     <p:sldId id="256" r:id="rId2"/>
@@ -13,13 +13,18 @@
     <p:sldId id="262" r:id="rId4"/>
     <p:sldId id="263" r:id="rId5"/>
     <p:sldId id="264" r:id="rId6"/>
-    <p:sldId id="259" r:id="rId7"/>
-    <p:sldId id="258" r:id="rId8"/>
+    <p:sldId id="265" r:id="rId7"/>
+    <p:sldId id="266" r:id="rId8"/>
+    <p:sldId id="267" r:id="rId9"/>
+    <p:sldId id="268" r:id="rId10"/>
+    <p:sldId id="270" r:id="rId11"/>
+    <p:sldId id="269" r:id="rId12"/>
+    <p:sldId id="271" r:id="rId13"/>
   </p:sldIdLst>
   <p:sldSz cx="12192000" cy="6858000"/>
   <p:notesSz cx="6858000" cy="9144000"/>
   <p:custDataLst>
-    <p:tags r:id="rId10"/>
+    <p:tags r:id="rId15"/>
   </p:custDataLst>
   <p:defaultTextStyle>
     <a:defPPr>
@@ -116,7 +121,200 @@
       </a:defRPr>
     </a:lvl9pPr>
   </p:defaultTextStyle>
+  <p:extLst>
+    <p:ext uri="{EFAFB233-063F-42B5-8137-9DF3F51BA10A}">
+      <p15:sldGuideLst xmlns:p15="http://schemas.microsoft.com/office/powerpoint/2012/main"/>
+    </p:ext>
+  </p:extLst>
 </p:presentation>
+</file>
+
+<file path=ppt/revisionInfo.xml><?xml version="1.0" encoding="utf-8"?>
+<p1510:revInfo xmlns:a="http://schemas.openxmlformats.org/drawingml/2006/main" xmlns:r="http://schemas.openxmlformats.org/officeDocument/2006/relationships" xmlns:p1510="http://schemas.microsoft.com/office/powerpoint/2015/10/main">
+  <p1510:revLst>
+    <p1510:client id="{C96F5FD9-0352-47F4-A753-5FBADB798FE5}" v="1" dt="2025-02-28T09:57:33.055"/>
+  </p1510:revLst>
+</p1510:revInfo>
+</file>
+
+<file path=ppt/changesInfos/changesInfo1.xml><?xml version="1.0" encoding="utf-8"?>
+<pc:chgInfo xmlns:a="http://schemas.openxmlformats.org/drawingml/2006/main" xmlns:r="http://schemas.openxmlformats.org/officeDocument/2006/relationships" xmlns:ac="http://schemas.microsoft.com/office/drawing/2013/main/command" xmlns:pc="http://schemas.microsoft.com/office/powerpoint/2013/main/command">
+  <pc:docChgLst>
+    <pc:chgData name="Caitlin Halfacre" userId="99d02b54-3f60-4a80-9a30-61e7387d3910" providerId="ADAL" clId="{C96F5FD9-0352-47F4-A753-5FBADB798FE5}"/>
+    <pc:docChg chg="custSel addSld delSld modSld sldOrd">
+      <pc:chgData name="Caitlin Halfacre" userId="99d02b54-3f60-4a80-9a30-61e7387d3910" providerId="ADAL" clId="{C96F5FD9-0352-47F4-A753-5FBADB798FE5}" dt="2025-02-28T09:58:15.317" v="97"/>
+      <pc:docMkLst>
+        <pc:docMk/>
+      </pc:docMkLst>
+      <pc:sldChg chg="del">
+        <pc:chgData name="Caitlin Halfacre" userId="99d02b54-3f60-4a80-9a30-61e7387d3910" providerId="ADAL" clId="{C96F5FD9-0352-47F4-A753-5FBADB798FE5}" dt="2025-02-28T09:54:15.714" v="38" actId="47"/>
+        <pc:sldMkLst>
+          <pc:docMk/>
+          <pc:sldMk cId="2144778035" sldId="258"/>
+        </pc:sldMkLst>
+      </pc:sldChg>
+      <pc:sldChg chg="del">
+        <pc:chgData name="Caitlin Halfacre" userId="99d02b54-3f60-4a80-9a30-61e7387d3910" providerId="ADAL" clId="{C96F5FD9-0352-47F4-A753-5FBADB798FE5}" dt="2025-02-28T09:49:07.506" v="0" actId="47"/>
+        <pc:sldMkLst>
+          <pc:docMk/>
+          <pc:sldMk cId="3666339149" sldId="259"/>
+        </pc:sldMkLst>
+      </pc:sldChg>
+      <pc:sldChg chg="addSp delSp modSp add mod modNotesTx">
+        <pc:chgData name="Caitlin Halfacre" userId="99d02b54-3f60-4a80-9a30-61e7387d3910" providerId="ADAL" clId="{C96F5FD9-0352-47F4-A753-5FBADB798FE5}" dt="2025-02-28T09:53:49.177" v="34"/>
+        <pc:sldMkLst>
+          <pc:docMk/>
+          <pc:sldMk cId="1168207501" sldId="265"/>
+        </pc:sldMkLst>
+        <pc:spChg chg="mod">
+          <ac:chgData name="Caitlin Halfacre" userId="99d02b54-3f60-4a80-9a30-61e7387d3910" providerId="ADAL" clId="{C96F5FD9-0352-47F4-A753-5FBADB798FE5}" dt="2025-02-28T09:51:26.844" v="31" actId="20577"/>
+          <ac:spMkLst>
+            <pc:docMk/>
+            <pc:sldMk cId="1168207501" sldId="265"/>
+            <ac:spMk id="3" creationId="{8361A87F-B198-3662-5A9C-FBC5700671D4}"/>
+          </ac:spMkLst>
+        </pc:spChg>
+        <pc:picChg chg="del">
+          <ac:chgData name="Caitlin Halfacre" userId="99d02b54-3f60-4a80-9a30-61e7387d3910" providerId="ADAL" clId="{C96F5FD9-0352-47F4-A753-5FBADB798FE5}" dt="2025-02-28T09:50:22.935" v="2" actId="478"/>
+          <ac:picMkLst>
+            <pc:docMk/>
+            <pc:sldMk cId="1168207501" sldId="265"/>
+            <ac:picMk id="4" creationId="{F8E15C76-B30F-364D-F4FA-91D69112118D}"/>
+          </ac:picMkLst>
+        </pc:picChg>
+        <pc:picChg chg="add mod">
+          <ac:chgData name="Caitlin Halfacre" userId="99d02b54-3f60-4a80-9a30-61e7387d3910" providerId="ADAL" clId="{C96F5FD9-0352-47F4-A753-5FBADB798FE5}" dt="2025-02-28T09:51:39.428" v="33" actId="14100"/>
+          <ac:picMkLst>
+            <pc:docMk/>
+            <pc:sldMk cId="1168207501" sldId="265"/>
+            <ac:picMk id="6" creationId="{D1154B58-3927-A05C-D866-A487E37CE9D3}"/>
+          </ac:picMkLst>
+        </pc:picChg>
+      </pc:sldChg>
+      <pc:sldChg chg="addSp delSp modSp add mod ord">
+        <pc:chgData name="Caitlin Halfacre" userId="99d02b54-3f60-4a80-9a30-61e7387d3910" providerId="ADAL" clId="{C96F5FD9-0352-47F4-A753-5FBADB798FE5}" dt="2025-02-28T09:55:19.783" v="46" actId="14100"/>
+        <pc:sldMkLst>
+          <pc:docMk/>
+          <pc:sldMk cId="3157495584" sldId="266"/>
+        </pc:sldMkLst>
+        <pc:spChg chg="mod">
+          <ac:chgData name="Caitlin Halfacre" userId="99d02b54-3f60-4a80-9a30-61e7387d3910" providerId="ADAL" clId="{C96F5FD9-0352-47F4-A753-5FBADB798FE5}" dt="2025-02-28T09:54:22.425" v="40" actId="113"/>
+          <ac:spMkLst>
+            <pc:docMk/>
+            <pc:sldMk cId="3157495584" sldId="266"/>
+            <ac:spMk id="2" creationId="{253048AC-8D04-0CEB-5174-D3B6D67AA674}"/>
+          </ac:spMkLst>
+        </pc:spChg>
+        <pc:spChg chg="mod">
+          <ac:chgData name="Caitlin Halfacre" userId="99d02b54-3f60-4a80-9a30-61e7387d3910" providerId="ADAL" clId="{C96F5FD9-0352-47F4-A753-5FBADB798FE5}" dt="2025-02-28T09:55:01.021" v="44" actId="6549"/>
+          <ac:spMkLst>
+            <pc:docMk/>
+            <pc:sldMk cId="3157495584" sldId="266"/>
+            <ac:spMk id="3" creationId="{8361A87F-B198-3662-5A9C-FBC5700671D4}"/>
+          </ac:spMkLst>
+        </pc:spChg>
+        <pc:picChg chg="del">
+          <ac:chgData name="Caitlin Halfacre" userId="99d02b54-3f60-4a80-9a30-61e7387d3910" providerId="ADAL" clId="{C96F5FD9-0352-47F4-A753-5FBADB798FE5}" dt="2025-02-28T09:54:56.547" v="41" actId="478"/>
+          <ac:picMkLst>
+            <pc:docMk/>
+            <pc:sldMk cId="3157495584" sldId="266"/>
+            <ac:picMk id="4" creationId="{F8E15C76-B30F-364D-F4FA-91D69112118D}"/>
+          </ac:picMkLst>
+        </pc:picChg>
+        <pc:picChg chg="add mod">
+          <ac:chgData name="Caitlin Halfacre" userId="99d02b54-3f60-4a80-9a30-61e7387d3910" providerId="ADAL" clId="{C96F5FD9-0352-47F4-A753-5FBADB798FE5}" dt="2025-02-28T09:55:19.783" v="46" actId="14100"/>
+          <ac:picMkLst>
+            <pc:docMk/>
+            <pc:sldMk cId="3157495584" sldId="266"/>
+            <ac:picMk id="6" creationId="{C7CEFB6C-9241-0714-63A1-43A77647C699}"/>
+          </ac:picMkLst>
+        </pc:picChg>
+      </pc:sldChg>
+      <pc:sldChg chg="add">
+        <pc:chgData name="Caitlin Halfacre" userId="99d02b54-3f60-4a80-9a30-61e7387d3910" providerId="ADAL" clId="{C96F5FD9-0352-47F4-A753-5FBADB798FE5}" dt="2025-02-28T09:55:55.172" v="47" actId="2890"/>
+        <pc:sldMkLst>
+          <pc:docMk/>
+          <pc:sldMk cId="3154094398" sldId="267"/>
+        </pc:sldMkLst>
+      </pc:sldChg>
+      <pc:sldChg chg="addSp delSp modSp add mod">
+        <pc:chgData name="Caitlin Halfacre" userId="99d02b54-3f60-4a80-9a30-61e7387d3910" providerId="ADAL" clId="{C96F5FD9-0352-47F4-A753-5FBADB798FE5}" dt="2025-02-28T09:56:45.586" v="80" actId="1035"/>
+        <pc:sldMkLst>
+          <pc:docMk/>
+          <pc:sldMk cId="2983458610" sldId="268"/>
+        </pc:sldMkLst>
+        <pc:picChg chg="add mod">
+          <ac:chgData name="Caitlin Halfacre" userId="99d02b54-3f60-4a80-9a30-61e7387d3910" providerId="ADAL" clId="{C96F5FD9-0352-47F4-A753-5FBADB798FE5}" dt="2025-02-28T09:56:45.586" v="80" actId="1035"/>
+          <ac:picMkLst>
+            <pc:docMk/>
+            <pc:sldMk cId="2983458610" sldId="268"/>
+            <ac:picMk id="5" creationId="{E68D997E-33A9-E3D6-2E41-00BE3BA7D4A3}"/>
+          </ac:picMkLst>
+        </pc:picChg>
+        <pc:picChg chg="del">
+          <ac:chgData name="Caitlin Halfacre" userId="99d02b54-3f60-4a80-9a30-61e7387d3910" providerId="ADAL" clId="{C96F5FD9-0352-47F4-A753-5FBADB798FE5}" dt="2025-02-28T09:56:18.798" v="49" actId="478"/>
+          <ac:picMkLst>
+            <pc:docMk/>
+            <pc:sldMk cId="2983458610" sldId="268"/>
+            <ac:picMk id="6" creationId="{C7CEFB6C-9241-0714-63A1-43A77647C699}"/>
+          </ac:picMkLst>
+        </pc:picChg>
+      </pc:sldChg>
+      <pc:sldChg chg="addSp modSp new mod modNotesTx">
+        <pc:chgData name="Caitlin Halfacre" userId="99d02b54-3f60-4a80-9a30-61e7387d3910" providerId="ADAL" clId="{C96F5FD9-0352-47F4-A753-5FBADB798FE5}" dt="2025-02-28T09:58:15.317" v="97"/>
+        <pc:sldMkLst>
+          <pc:docMk/>
+          <pc:sldMk cId="1512411610" sldId="269"/>
+        </pc:sldMkLst>
+        <pc:picChg chg="add mod">
+          <ac:chgData name="Caitlin Halfacre" userId="99d02b54-3f60-4a80-9a30-61e7387d3910" providerId="ADAL" clId="{C96F5FD9-0352-47F4-A753-5FBADB798FE5}" dt="2025-02-28T09:57:49.902" v="95" actId="14100"/>
+          <ac:picMkLst>
+            <pc:docMk/>
+            <pc:sldMk cId="1512411610" sldId="269"/>
+            <ac:picMk id="6" creationId="{EDBF6D83-2075-1245-3ED8-0B7CB9A7878A}"/>
+          </ac:picMkLst>
+        </pc:picChg>
+      </pc:sldChg>
+      <pc:sldChg chg="add">
+        <pc:chgData name="Caitlin Halfacre" userId="99d02b54-3f60-4a80-9a30-61e7387d3910" providerId="ADAL" clId="{C96F5FD9-0352-47F4-A753-5FBADB798FE5}" dt="2025-02-28T09:56:52.307" v="82" actId="2890"/>
+        <pc:sldMkLst>
+          <pc:docMk/>
+          <pc:sldMk cId="391379849" sldId="270"/>
+        </pc:sldMkLst>
+      </pc:sldChg>
+      <pc:sldChg chg="new">
+        <pc:chgData name="Caitlin Halfacre" userId="99d02b54-3f60-4a80-9a30-61e7387d3910" providerId="ADAL" clId="{C96F5FD9-0352-47F4-A753-5FBADB798FE5}" dt="2025-02-28T09:58:12.393" v="96" actId="680"/>
+        <pc:sldMkLst>
+          <pc:docMk/>
+          <pc:sldMk cId="1945215679" sldId="271"/>
+        </pc:sldMkLst>
+      </pc:sldChg>
+      <pc:sldChg chg="addSp delSp modSp add del mod">
+        <pc:chgData name="Caitlin Halfacre" userId="99d02b54-3f60-4a80-9a30-61e7387d3910" providerId="ADAL" clId="{C96F5FD9-0352-47F4-A753-5FBADB798FE5}" dt="2025-02-28T09:57:30.951" v="89" actId="47"/>
+        <pc:sldMkLst>
+          <pc:docMk/>
+          <pc:sldMk cId="2252522311" sldId="271"/>
+        </pc:sldMkLst>
+        <pc:picChg chg="del">
+          <ac:chgData name="Caitlin Halfacre" userId="99d02b54-3f60-4a80-9a30-61e7387d3910" providerId="ADAL" clId="{C96F5FD9-0352-47F4-A753-5FBADB798FE5}" dt="2025-02-28T09:57:16.062" v="84" actId="478"/>
+          <ac:picMkLst>
+            <pc:docMk/>
+            <pc:sldMk cId="2252522311" sldId="271"/>
+            <ac:picMk id="5" creationId="{E68D997E-33A9-E3D6-2E41-00BE3BA7D4A3}"/>
+          </ac:picMkLst>
+        </pc:picChg>
+        <pc:picChg chg="add del mod">
+          <ac:chgData name="Caitlin Halfacre" userId="99d02b54-3f60-4a80-9a30-61e7387d3910" providerId="ADAL" clId="{C96F5FD9-0352-47F4-A753-5FBADB798FE5}" dt="2025-02-28T09:57:29.318" v="88" actId="21"/>
+          <ac:picMkLst>
+            <pc:docMk/>
+            <pc:sldMk cId="2252522311" sldId="271"/>
+            <ac:picMk id="6" creationId="{EDBF6D83-2075-1245-3ED8-0B7CB9A7878A}"/>
+          </ac:picMkLst>
+        </pc:picChg>
+      </pc:sldChg>
+    </pc:docChg>
+  </pc:docChgLst>
+</pc:chgInfo>
 </file>
 
 <file path=ppt/notesMasters/notesMaster1.xml><?xml version="1.0" encoding="utf-8"?>
@@ -602,7 +800,31 @@
           <a:p>
             <a:r>
               <a:rPr lang="en-GB" dirty="0"/>
-              <a:t>Dynamic = over time – can be short (formant trajectory) or long (lifespan) or in between (pitch track)</a:t>
+              <a:t>• too few measurements to support k knots: If our trajectories only have 11 measurements, the maximum number of knots is also 11 (that is, the maximum number of </a:t>
+            </a:r>
+            <a:r>
+              <a:rPr lang="en-GB" dirty="0" err="1"/>
+              <a:t>basis</a:t>
+            </a:r>
+            <a:r>
+              <a:rPr lang="en-GB" dirty="0"/>
+              <a:t> functions is 10). Since the default value for k is 10 (although this number may be different depending on the type of smooth), it needs to be lowered if there are less than 10 unique values for a given variable.  • not enough </a:t>
+            </a:r>
+            <a:r>
+              <a:rPr lang="en-GB" dirty="0" err="1"/>
+              <a:t>wiggliness</a:t>
+            </a:r>
+            <a:r>
+              <a:rPr lang="en-GB" dirty="0"/>
+              <a:t> allowed: The default value of k can only support a certain amount of </a:t>
+            </a:r>
+            <a:r>
+              <a:rPr lang="en-GB" dirty="0" err="1"/>
+              <a:t>wiggliness</a:t>
+            </a:r>
+            <a:r>
+              <a:rPr lang="en-GB" dirty="0"/>
+              <a:t> in the data. If the actual trajectories show a greater degree of non-linearity, k needs to be increased.  • computational inefficiency due to high k: The higher the value of k, the longer it will take to fit the model. Therefore, it is a good idea not to increase k any further than necessary. In realistic scenarios, the modeller may be forced to choose a k that is actually lower than would be ideal.</a:t>
             </a:r>
           </a:p>
         </p:txBody>
@@ -633,7 +855,94 @@
     </p:spTree>
     <p:extLst>
       <p:ext uri="{BB962C8B-B14F-4D97-AF65-F5344CB8AC3E}">
-        <p14:creationId xmlns:p14="http://schemas.microsoft.com/office/powerpoint/2010/main" val="3391370377"/>
+        <p14:creationId xmlns:p14="http://schemas.microsoft.com/office/powerpoint/2010/main" val="1721899348"/>
+      </p:ext>
+    </p:extLst>
+  </p:cSld>
+  <p:clrMapOvr>
+    <a:masterClrMapping/>
+  </p:clrMapOvr>
+</p:notes>
+</file>
+
+<file path=ppt/notesSlides/notesSlide3.xml><?xml version="1.0" encoding="utf-8"?>
+<p:notes xmlns:a="http://schemas.openxmlformats.org/drawingml/2006/main" xmlns:r="http://schemas.openxmlformats.org/officeDocument/2006/relationships" xmlns:p="http://schemas.openxmlformats.org/presentationml/2006/main">
+  <p:cSld>
+    <p:spTree>
+      <p:nvGrpSpPr>
+        <p:cNvPr id="1" name=""/>
+        <p:cNvGrpSpPr/>
+        <p:nvPr/>
+      </p:nvGrpSpPr>
+      <p:grpSpPr>
+        <a:xfrm>
+          <a:off x="0" y="0"/>
+          <a:ext cx="0" cy="0"/>
+          <a:chOff x="0" y="0"/>
+          <a:chExt cx="0" cy="0"/>
+        </a:xfrm>
+      </p:grpSpPr>
+      <p:sp>
+        <p:nvSpPr>
+          <p:cNvPr id="2" name="Slide Image Placeholder 1"/>
+          <p:cNvSpPr>
+            <a:spLocks noGrp="1" noRot="1" noChangeAspect="1"/>
+          </p:cNvSpPr>
+          <p:nvPr>
+            <p:ph type="sldImg"/>
+          </p:nvPr>
+        </p:nvSpPr>
+        <p:spPr/>
+      </p:sp>
+      <p:sp>
+        <p:nvSpPr>
+          <p:cNvPr id="3" name="Notes Placeholder 2"/>
+          <p:cNvSpPr>
+            <a:spLocks noGrp="1"/>
+          </p:cNvSpPr>
+          <p:nvPr>
+            <p:ph type="body" idx="1"/>
+          </p:nvPr>
+        </p:nvSpPr>
+        <p:spPr/>
+        <p:txBody>
+          <a:bodyPr/>
+          <a:lstStyle/>
+          <a:p>
+            <a:r>
+              <a:rPr lang="en-GB" dirty="0"/>
+              <a:t>The model with random intercepts simply varies the height of the lines, but does not yield a particularly good fit. The one with slopes does slightly better: in this case, the same curve is essentially rotated and stretched to match the actual trajectories. Random smooths clearly provide the best fit by fitting individual curves to each trajectory. Note, however, that random smooths are also extremely resource intensive: fitting four separate random smooths to the data requires 4 × k basis functions, and the same number of coefficients need to be estimated.5</a:t>
+            </a:r>
+          </a:p>
+        </p:txBody>
+      </p:sp>
+      <p:sp>
+        <p:nvSpPr>
+          <p:cNvPr id="4" name="Slide Number Placeholder 3"/>
+          <p:cNvSpPr>
+            <a:spLocks noGrp="1"/>
+          </p:cNvSpPr>
+          <p:nvPr>
+            <p:ph type="sldNum" sz="quarter" idx="5"/>
+          </p:nvPr>
+        </p:nvSpPr>
+        <p:spPr/>
+        <p:txBody>
+          <a:bodyPr/>
+          <a:lstStyle/>
+          <a:p>
+            <a:fld id="{D104C855-3CC9-4370-BFAC-E1C0D9A00699}" type="slidenum">
+              <a:rPr lang="en-GB" smtClean="0"/>
+              <a:t>11</a:t>
+            </a:fld>
+            <a:endParaRPr lang="en-GB"/>
+          </a:p>
+        </p:txBody>
+      </p:sp>
+    </p:spTree>
+    <p:extLst>
+      <p:ext uri="{BB962C8B-B14F-4D97-AF65-F5344CB8AC3E}">
+        <p14:creationId xmlns:p14="http://schemas.microsoft.com/office/powerpoint/2010/main" val="3511008537"/>
       </p:ext>
     </p:extLst>
   </p:cSld>
@@ -3677,6 +3986,785 @@
 </p:sld>
 </file>
 
+<file path=ppt/slides/slide10.xml><?xml version="1.0" encoding="utf-8"?>
+<p:sld xmlns:a="http://schemas.openxmlformats.org/drawingml/2006/main" xmlns:r="http://schemas.openxmlformats.org/officeDocument/2006/relationships" xmlns:p="http://schemas.openxmlformats.org/presentationml/2006/main">
+  <p:cSld>
+    <p:bg>
+      <p:bgPr>
+        <a:solidFill>
+          <a:schemeClr val="bg1"/>
+        </a:solidFill>
+        <a:effectLst/>
+      </p:bgPr>
+    </p:bg>
+    <p:spTree>
+      <p:nvGrpSpPr>
+        <p:cNvPr id="1" name=""/>
+        <p:cNvGrpSpPr/>
+        <p:nvPr/>
+      </p:nvGrpSpPr>
+      <p:grpSpPr>
+        <a:xfrm>
+          <a:off x="0" y="0"/>
+          <a:ext cx="0" cy="0"/>
+          <a:chOff x="0" y="0"/>
+          <a:chExt cx="0" cy="0"/>
+        </a:xfrm>
+      </p:grpSpPr>
+      <p:sp useBgFill="1">
+        <p:nvSpPr>
+          <p:cNvPr id="16" name="Rectangle 15">
+            <a:extLst>
+              <a:ext uri="{FF2B5EF4-FFF2-40B4-BE49-F238E27FC236}">
+                <a16:creationId xmlns:a16="http://schemas.microsoft.com/office/drawing/2014/main" id="{BCED4D40-4B67-4331-AC48-79B82B4A47D8}"/>
+              </a:ext>
+              <a:ext uri="{C183D7F6-B498-43B3-948B-1728B52AA6E4}">
+                <adec:decorative xmlns:adec="http://schemas.microsoft.com/office/drawing/2017/decorative" val="1"/>
+              </a:ext>
+            </a:extLst>
+          </p:cNvPr>
+          <p:cNvSpPr>
+            <a:spLocks noGrp="1" noRot="1" noChangeAspect="1" noMove="1" noResize="1" noEditPoints="1" noAdjustHandles="1" noChangeArrowheads="1" noChangeShapeType="1" noTextEdit="1"/>
+          </p:cNvSpPr>
+          <p:nvPr>
+            <p:extLst>
+              <p:ext uri="{386F3935-93C4-4BCD-93E2-E3B085C9AB24}">
+                <p16:designElem xmlns:p16="http://schemas.microsoft.com/office/powerpoint/2015/main" val="1"/>
+              </p:ext>
+            </p:extLst>
+          </p:nvPr>
+        </p:nvSpPr>
+        <p:spPr>
+          <a:xfrm>
+            <a:off x="0" y="0"/>
+            <a:ext cx="12192000" cy="6858000"/>
+          </a:xfrm>
+          <a:prstGeom prst="rect">
+            <a:avLst/>
+          </a:prstGeom>
+          <a:ln>
+            <a:noFill/>
+          </a:ln>
+        </p:spPr>
+        <p:style>
+          <a:lnRef idx="2">
+            <a:schemeClr val="accent1">
+              <a:shade val="50000"/>
+            </a:schemeClr>
+          </a:lnRef>
+          <a:fillRef idx="1">
+            <a:schemeClr val="accent1"/>
+          </a:fillRef>
+          <a:effectRef idx="0">
+            <a:schemeClr val="accent1"/>
+          </a:effectRef>
+          <a:fontRef idx="minor">
+            <a:schemeClr val="lt1"/>
+          </a:fontRef>
+        </p:style>
+        <p:txBody>
+          <a:bodyPr rtlCol="0" anchor="ctr"/>
+          <a:lstStyle/>
+          <a:p>
+            <a:pPr algn="ctr"/>
+            <a:endParaRPr lang="en-US"/>
+          </a:p>
+        </p:txBody>
+      </p:sp>
+      <p:sp>
+        <p:nvSpPr>
+          <p:cNvPr id="2" name="Title 1">
+            <a:extLst>
+              <a:ext uri="{FF2B5EF4-FFF2-40B4-BE49-F238E27FC236}">
+                <a16:creationId xmlns:a16="http://schemas.microsoft.com/office/drawing/2014/main" id="{253048AC-8D04-0CEB-5174-D3B6D67AA674}"/>
+              </a:ext>
+            </a:extLst>
+          </p:cNvPr>
+          <p:cNvSpPr>
+            <a:spLocks noGrp="1"/>
+          </p:cNvSpPr>
+          <p:nvPr>
+            <p:ph type="title"/>
+          </p:nvPr>
+        </p:nvSpPr>
+        <p:spPr>
+          <a:xfrm>
+            <a:off x="638881" y="417576"/>
+            <a:ext cx="10909640" cy="1249394"/>
+          </a:xfrm>
+        </p:spPr>
+        <p:txBody>
+          <a:bodyPr vert="horz" lIns="91440" tIns="45720" rIns="91440" bIns="45720" rtlCol="0" anchor="ctr">
+            <a:normAutofit/>
+          </a:bodyPr>
+          <a:lstStyle/>
+          <a:p>
+            <a:pPr algn="ctr"/>
+            <a:r>
+              <a:rPr lang="en-US" sz="4100" kern="1200" dirty="0" err="1">
+                <a:solidFill>
+                  <a:schemeClr val="tx1"/>
+                </a:solidFill>
+                <a:latin typeface="+mj-lt"/>
+                <a:ea typeface="+mj-ea"/>
+                <a:cs typeface="+mj-cs"/>
+              </a:rPr>
+              <a:t>Generalised</a:t>
+            </a:r>
+            <a:r>
+              <a:rPr lang="en-US" sz="4100" kern="1200" dirty="0">
+                <a:solidFill>
+                  <a:schemeClr val="tx1"/>
+                </a:solidFill>
+                <a:latin typeface="+mj-lt"/>
+                <a:ea typeface="+mj-ea"/>
+                <a:cs typeface="+mj-cs"/>
+              </a:rPr>
+              <a:t>		Additive		</a:t>
+            </a:r>
+            <a:r>
+              <a:rPr lang="en-US" sz="4100" b="1" kern="1200" dirty="0">
+                <a:solidFill>
+                  <a:schemeClr val="tx1"/>
+                </a:solidFill>
+                <a:latin typeface="+mj-lt"/>
+                <a:ea typeface="+mj-ea"/>
+                <a:cs typeface="+mj-cs"/>
+              </a:rPr>
+              <a:t>Mixed</a:t>
+            </a:r>
+            <a:r>
+              <a:rPr lang="en-US" sz="4100" kern="1200" dirty="0">
+                <a:solidFill>
+                  <a:schemeClr val="tx1"/>
+                </a:solidFill>
+                <a:latin typeface="+mj-lt"/>
+                <a:ea typeface="+mj-ea"/>
+                <a:cs typeface="+mj-cs"/>
+              </a:rPr>
+              <a:t>		Model</a:t>
+            </a:r>
+          </a:p>
+        </p:txBody>
+      </p:sp>
+      <p:sp>
+        <p:nvSpPr>
+          <p:cNvPr id="3" name="Content Placeholder 2">
+            <a:extLst>
+              <a:ext uri="{FF2B5EF4-FFF2-40B4-BE49-F238E27FC236}">
+                <a16:creationId xmlns:a16="http://schemas.microsoft.com/office/drawing/2014/main" id="{8361A87F-B198-3662-5A9C-FBC5700671D4}"/>
+              </a:ext>
+            </a:extLst>
+          </p:cNvPr>
+          <p:cNvSpPr>
+            <a:spLocks noGrp="1"/>
+          </p:cNvSpPr>
+          <p:nvPr>
+            <p:ph idx="1"/>
+          </p:nvPr>
+        </p:nvSpPr>
+        <p:spPr>
+          <a:xfrm>
+            <a:off x="638881" y="1809541"/>
+            <a:ext cx="10909643" cy="687406"/>
+          </a:xfrm>
+        </p:spPr>
+        <p:txBody>
+          <a:bodyPr vert="horz" lIns="91440" tIns="45720" rIns="91440" bIns="45720" rtlCol="0" anchor="ctr">
+            <a:normAutofit/>
+          </a:bodyPr>
+          <a:lstStyle/>
+          <a:p>
+            <a:pPr marL="0" indent="0" algn="ctr">
+              <a:buNone/>
+            </a:pPr>
+            <a:endParaRPr lang="en-US" sz="2400" kern="1200" dirty="0">
+              <a:solidFill>
+                <a:schemeClr val="tx1"/>
+              </a:solidFill>
+              <a:latin typeface="+mn-lt"/>
+              <a:ea typeface="+mn-ea"/>
+              <a:cs typeface="+mn-cs"/>
+            </a:endParaRPr>
+          </a:p>
+        </p:txBody>
+      </p:sp>
+      <p:sp>
+        <p:nvSpPr>
+          <p:cNvPr id="18" name="sketch line">
+            <a:extLst>
+              <a:ext uri="{FF2B5EF4-FFF2-40B4-BE49-F238E27FC236}">
+                <a16:creationId xmlns:a16="http://schemas.microsoft.com/office/drawing/2014/main" id="{670CEDEF-4F34-412E-84EE-329C1E936AF5}"/>
+              </a:ext>
+              <a:ext uri="{C183D7F6-B498-43B3-948B-1728B52AA6E4}">
+                <adec:decorative xmlns:adec="http://schemas.microsoft.com/office/drawing/2017/decorative" val="1"/>
+              </a:ext>
+            </a:extLst>
+          </p:cNvPr>
+          <p:cNvSpPr>
+            <a:spLocks noGrp="1" noRot="1" noChangeAspect="1" noMove="1" noResize="1" noEditPoints="1" noAdjustHandles="1" noChangeArrowheads="1" noChangeShapeType="1" noTextEdit="1"/>
+          </p:cNvSpPr>
+          <p:nvPr>
+            <p:extLst>
+              <p:ext uri="{386F3935-93C4-4BCD-93E2-E3B085C9AB24}">
+                <p16:designElem xmlns:p16="http://schemas.microsoft.com/office/powerpoint/2015/main" val="1"/>
+              </p:ext>
+            </p:extLst>
+          </p:nvPr>
+        </p:nvSpPr>
+        <p:spPr>
+          <a:xfrm>
+            <a:off x="3807702" y="1733454"/>
+            <a:ext cx="4572000" cy="18288"/>
+          </a:xfrm>
+          <a:custGeom>
+            <a:avLst/>
+            <a:gdLst>
+              <a:gd name="connsiteX0" fmla="*/ 0 w 4572000"/>
+              <a:gd name="connsiteY0" fmla="*/ 0 h 18288"/>
+              <a:gd name="connsiteX1" fmla="*/ 515983 w 4572000"/>
+              <a:gd name="connsiteY1" fmla="*/ 0 h 18288"/>
+              <a:gd name="connsiteX2" fmla="*/ 1031966 w 4572000"/>
+              <a:gd name="connsiteY2" fmla="*/ 0 h 18288"/>
+              <a:gd name="connsiteX3" fmla="*/ 1639389 w 4572000"/>
+              <a:gd name="connsiteY3" fmla="*/ 0 h 18288"/>
+              <a:gd name="connsiteX4" fmla="*/ 2383971 w 4572000"/>
+              <a:gd name="connsiteY4" fmla="*/ 0 h 18288"/>
+              <a:gd name="connsiteX5" fmla="*/ 2945674 w 4572000"/>
+              <a:gd name="connsiteY5" fmla="*/ 0 h 18288"/>
+              <a:gd name="connsiteX6" fmla="*/ 3507377 w 4572000"/>
+              <a:gd name="connsiteY6" fmla="*/ 0 h 18288"/>
+              <a:gd name="connsiteX7" fmla="*/ 4572000 w 4572000"/>
+              <a:gd name="connsiteY7" fmla="*/ 0 h 18288"/>
+              <a:gd name="connsiteX8" fmla="*/ 4572000 w 4572000"/>
+              <a:gd name="connsiteY8" fmla="*/ 18288 h 18288"/>
+              <a:gd name="connsiteX9" fmla="*/ 3873137 w 4572000"/>
+              <a:gd name="connsiteY9" fmla="*/ 18288 h 18288"/>
+              <a:gd name="connsiteX10" fmla="*/ 3311434 w 4572000"/>
+              <a:gd name="connsiteY10" fmla="*/ 18288 h 18288"/>
+              <a:gd name="connsiteX11" fmla="*/ 2749731 w 4572000"/>
+              <a:gd name="connsiteY11" fmla="*/ 18288 h 18288"/>
+              <a:gd name="connsiteX12" fmla="*/ 2050869 w 4572000"/>
+              <a:gd name="connsiteY12" fmla="*/ 18288 h 18288"/>
+              <a:gd name="connsiteX13" fmla="*/ 1306286 w 4572000"/>
+              <a:gd name="connsiteY13" fmla="*/ 18288 h 18288"/>
+              <a:gd name="connsiteX14" fmla="*/ 790303 w 4572000"/>
+              <a:gd name="connsiteY14" fmla="*/ 18288 h 18288"/>
+              <a:gd name="connsiteX15" fmla="*/ 0 w 4572000"/>
+              <a:gd name="connsiteY15" fmla="*/ 18288 h 18288"/>
+              <a:gd name="connsiteX16" fmla="*/ 0 w 4572000"/>
+              <a:gd name="connsiteY16" fmla="*/ 0 h 18288"/>
+            </a:gdLst>
+            <a:ahLst/>
+            <a:cxnLst>
+              <a:cxn ang="0">
+                <a:pos x="connsiteX0" y="connsiteY0"/>
+              </a:cxn>
+              <a:cxn ang="0">
+                <a:pos x="connsiteX1" y="connsiteY1"/>
+              </a:cxn>
+              <a:cxn ang="0">
+                <a:pos x="connsiteX2" y="connsiteY2"/>
+              </a:cxn>
+              <a:cxn ang="0">
+                <a:pos x="connsiteX3" y="connsiteY3"/>
+              </a:cxn>
+              <a:cxn ang="0">
+                <a:pos x="connsiteX4" y="connsiteY4"/>
+              </a:cxn>
+              <a:cxn ang="0">
+                <a:pos x="connsiteX5" y="connsiteY5"/>
+              </a:cxn>
+              <a:cxn ang="0">
+                <a:pos x="connsiteX6" y="connsiteY6"/>
+              </a:cxn>
+              <a:cxn ang="0">
+                <a:pos x="connsiteX7" y="connsiteY7"/>
+              </a:cxn>
+              <a:cxn ang="0">
+                <a:pos x="connsiteX8" y="connsiteY8"/>
+              </a:cxn>
+              <a:cxn ang="0">
+                <a:pos x="connsiteX9" y="connsiteY9"/>
+              </a:cxn>
+              <a:cxn ang="0">
+                <a:pos x="connsiteX10" y="connsiteY10"/>
+              </a:cxn>
+              <a:cxn ang="0">
+                <a:pos x="connsiteX11" y="connsiteY11"/>
+              </a:cxn>
+              <a:cxn ang="0">
+                <a:pos x="connsiteX12" y="connsiteY12"/>
+              </a:cxn>
+              <a:cxn ang="0">
+                <a:pos x="connsiteX13" y="connsiteY13"/>
+              </a:cxn>
+              <a:cxn ang="0">
+                <a:pos x="connsiteX14" y="connsiteY14"/>
+              </a:cxn>
+              <a:cxn ang="0">
+                <a:pos x="connsiteX15" y="connsiteY15"/>
+              </a:cxn>
+              <a:cxn ang="0">
+                <a:pos x="connsiteX16" y="connsiteY16"/>
+              </a:cxn>
+            </a:cxnLst>
+            <a:rect l="l" t="t" r="r" b="b"/>
+            <a:pathLst>
+              <a:path w="4572000" h="18288" fill="none" extrusionOk="0">
+                <a:moveTo>
+                  <a:pt x="0" y="0"/>
+                </a:moveTo>
+                <a:cubicBezTo>
+                  <a:pt x="105156" y="-20963"/>
+                  <a:pt x="340432" y="822"/>
+                  <a:pt x="515983" y="0"/>
+                </a:cubicBezTo>
+                <a:cubicBezTo>
+                  <a:pt x="691534" y="-822"/>
+                  <a:pt x="850679" y="16479"/>
+                  <a:pt x="1031966" y="0"/>
+                </a:cubicBezTo>
+                <a:cubicBezTo>
+                  <a:pt x="1213253" y="-16479"/>
+                  <a:pt x="1443646" y="-18730"/>
+                  <a:pt x="1639389" y="0"/>
+                </a:cubicBezTo>
+                <a:cubicBezTo>
+                  <a:pt x="1835132" y="18730"/>
+                  <a:pt x="2159975" y="18531"/>
+                  <a:pt x="2383971" y="0"/>
+                </a:cubicBezTo>
+                <a:cubicBezTo>
+                  <a:pt x="2607967" y="-18531"/>
+                  <a:pt x="2719096" y="-12030"/>
+                  <a:pt x="2945674" y="0"/>
+                </a:cubicBezTo>
+                <a:cubicBezTo>
+                  <a:pt x="3172252" y="12030"/>
+                  <a:pt x="3269167" y="27666"/>
+                  <a:pt x="3507377" y="0"/>
+                </a:cubicBezTo>
+                <a:cubicBezTo>
+                  <a:pt x="3745587" y="-27666"/>
+                  <a:pt x="4116741" y="18705"/>
+                  <a:pt x="4572000" y="0"/>
+                </a:cubicBezTo>
+                <a:cubicBezTo>
+                  <a:pt x="4572895" y="8974"/>
+                  <a:pt x="4571454" y="9359"/>
+                  <a:pt x="4572000" y="18288"/>
+                </a:cubicBezTo>
+                <a:cubicBezTo>
+                  <a:pt x="4374698" y="3942"/>
+                  <a:pt x="4098874" y="-11042"/>
+                  <a:pt x="3873137" y="18288"/>
+                </a:cubicBezTo>
+                <a:cubicBezTo>
+                  <a:pt x="3647400" y="47618"/>
+                  <a:pt x="3517055" y="5421"/>
+                  <a:pt x="3311434" y="18288"/>
+                </a:cubicBezTo>
+                <a:cubicBezTo>
+                  <a:pt x="3105813" y="31155"/>
+                  <a:pt x="3025168" y="17856"/>
+                  <a:pt x="2749731" y="18288"/>
+                </a:cubicBezTo>
+                <a:cubicBezTo>
+                  <a:pt x="2474294" y="18720"/>
+                  <a:pt x="2291766" y="-14168"/>
+                  <a:pt x="2050869" y="18288"/>
+                </a:cubicBezTo>
+                <a:cubicBezTo>
+                  <a:pt x="1809972" y="50744"/>
+                  <a:pt x="1540276" y="46798"/>
+                  <a:pt x="1306286" y="18288"/>
+                </a:cubicBezTo>
+                <a:cubicBezTo>
+                  <a:pt x="1072296" y="-10222"/>
+                  <a:pt x="972445" y="19645"/>
+                  <a:pt x="790303" y="18288"/>
+                </a:cubicBezTo>
+                <a:cubicBezTo>
+                  <a:pt x="608161" y="16931"/>
+                  <a:pt x="200981" y="8241"/>
+                  <a:pt x="0" y="18288"/>
+                </a:cubicBezTo>
+                <a:cubicBezTo>
+                  <a:pt x="-229" y="14222"/>
+                  <a:pt x="509" y="5816"/>
+                  <a:pt x="0" y="0"/>
+                </a:cubicBezTo>
+                <a:close/>
+              </a:path>
+              <a:path w="4572000" h="18288" stroke="0" extrusionOk="0">
+                <a:moveTo>
+                  <a:pt x="0" y="0"/>
+                </a:moveTo>
+                <a:cubicBezTo>
+                  <a:pt x="143285" y="-9565"/>
+                  <a:pt x="327959" y="-11498"/>
+                  <a:pt x="561703" y="0"/>
+                </a:cubicBezTo>
+                <a:cubicBezTo>
+                  <a:pt x="795447" y="11498"/>
+                  <a:pt x="838260" y="18255"/>
+                  <a:pt x="1077686" y="0"/>
+                </a:cubicBezTo>
+                <a:cubicBezTo>
+                  <a:pt x="1317112" y="-18255"/>
+                  <a:pt x="1437472" y="23514"/>
+                  <a:pt x="1639389" y="0"/>
+                </a:cubicBezTo>
+                <a:cubicBezTo>
+                  <a:pt x="1841306" y="-23514"/>
+                  <a:pt x="2037142" y="-12551"/>
+                  <a:pt x="2292531" y="0"/>
+                </a:cubicBezTo>
+                <a:cubicBezTo>
+                  <a:pt x="2547920" y="12551"/>
+                  <a:pt x="2810436" y="-20352"/>
+                  <a:pt x="2991394" y="0"/>
+                </a:cubicBezTo>
+                <a:cubicBezTo>
+                  <a:pt x="3172352" y="20352"/>
+                  <a:pt x="3530025" y="-13347"/>
+                  <a:pt x="3735977" y="0"/>
+                </a:cubicBezTo>
+                <a:cubicBezTo>
+                  <a:pt x="3941929" y="13347"/>
+                  <a:pt x="4161497" y="34086"/>
+                  <a:pt x="4572000" y="0"/>
+                </a:cubicBezTo>
+                <a:cubicBezTo>
+                  <a:pt x="4571545" y="6162"/>
+                  <a:pt x="4571903" y="11775"/>
+                  <a:pt x="4572000" y="18288"/>
+                </a:cubicBezTo>
+                <a:cubicBezTo>
+                  <a:pt x="4228040" y="36490"/>
+                  <a:pt x="4199736" y="42557"/>
+                  <a:pt x="3873137" y="18288"/>
+                </a:cubicBezTo>
+                <a:cubicBezTo>
+                  <a:pt x="3546538" y="-5981"/>
+                  <a:pt x="3472124" y="16809"/>
+                  <a:pt x="3128554" y="18288"/>
+                </a:cubicBezTo>
+                <a:cubicBezTo>
+                  <a:pt x="2784984" y="19767"/>
+                  <a:pt x="2735896" y="-17781"/>
+                  <a:pt x="2383971" y="18288"/>
+                </a:cubicBezTo>
+                <a:cubicBezTo>
+                  <a:pt x="2032046" y="54357"/>
+                  <a:pt x="2019324" y="2920"/>
+                  <a:pt x="1867989" y="18288"/>
+                </a:cubicBezTo>
+                <a:cubicBezTo>
+                  <a:pt x="1716654" y="33656"/>
+                  <a:pt x="1418675" y="32575"/>
+                  <a:pt x="1169126" y="18288"/>
+                </a:cubicBezTo>
+                <a:cubicBezTo>
+                  <a:pt x="919577" y="4001"/>
+                  <a:pt x="798537" y="16165"/>
+                  <a:pt x="561703" y="18288"/>
+                </a:cubicBezTo>
+                <a:cubicBezTo>
+                  <a:pt x="324869" y="20411"/>
+                  <a:pt x="221395" y="-912"/>
+                  <a:pt x="0" y="18288"/>
+                </a:cubicBezTo>
+                <a:cubicBezTo>
+                  <a:pt x="766" y="10800"/>
+                  <a:pt x="-457" y="8180"/>
+                  <a:pt x="0" y="0"/>
+                </a:cubicBezTo>
+                <a:close/>
+              </a:path>
+            </a:pathLst>
+          </a:custGeom>
+          <a:solidFill>
+            <a:schemeClr val="accent2"/>
+          </a:solidFill>
+          <a:ln w="41275" cap="rnd">
+            <a:solidFill>
+              <a:schemeClr val="accent2"/>
+            </a:solidFill>
+            <a:round/>
+            <a:extLst>
+              <a:ext uri="{C807C97D-BFC1-408E-A445-0C87EB9F89A2}">
+                <ask:lineSketchStyleProps xmlns:ask="http://schemas.microsoft.com/office/drawing/2018/sketchyshapes" sd="2727557108">
+                  <a:prstGeom prst="rect">
+                    <a:avLst/>
+                  </a:prstGeom>
+                  <ask:type>
+                    <ask:lineSketchFreehand/>
+                  </ask:type>
+                </ask:lineSketchStyleProps>
+              </a:ext>
+            </a:extLst>
+          </a:ln>
+        </p:spPr>
+        <p:style>
+          <a:lnRef idx="2">
+            <a:schemeClr val="accent1">
+              <a:shade val="50000"/>
+            </a:schemeClr>
+          </a:lnRef>
+          <a:fillRef idx="1">
+            <a:schemeClr val="accent1"/>
+          </a:fillRef>
+          <a:effectRef idx="0">
+            <a:schemeClr val="accent1"/>
+          </a:effectRef>
+          <a:fontRef idx="minor">
+            <a:schemeClr val="lt1"/>
+          </a:fontRef>
+        </p:style>
+        <p:txBody>
+          <a:bodyPr rtlCol="0" anchor="ctr"/>
+          <a:lstStyle/>
+          <a:p>
+            <a:pPr algn="ctr"/>
+            <a:endParaRPr lang="en-US"/>
+          </a:p>
+        </p:txBody>
+      </p:sp>
+      <p:pic>
+        <p:nvPicPr>
+          <p:cNvPr id="5" name="Picture 4">
+            <a:extLst>
+              <a:ext uri="{FF2B5EF4-FFF2-40B4-BE49-F238E27FC236}">
+                <a16:creationId xmlns:a16="http://schemas.microsoft.com/office/drawing/2014/main" id="{E68D997E-33A9-E3D6-2E41-00BE3BA7D4A3}"/>
+              </a:ext>
+            </a:extLst>
+          </p:cNvPr>
+          <p:cNvPicPr>
+            <a:picLocks noChangeAspect="1"/>
+          </p:cNvPicPr>
+          <p:nvPr/>
+        </p:nvPicPr>
+        <p:blipFill>
+          <a:blip r:embed="rId2"/>
+          <a:stretch>
+            <a:fillRect/>
+          </a:stretch>
+        </p:blipFill>
+        <p:spPr>
+          <a:xfrm>
+            <a:off x="404562" y="2260884"/>
+            <a:ext cx="11378278" cy="3908744"/>
+          </a:xfrm>
+          <a:prstGeom prst="rect">
+            <a:avLst/>
+          </a:prstGeom>
+        </p:spPr>
+      </p:pic>
+    </p:spTree>
+    <p:extLst>
+      <p:ext uri="{BB962C8B-B14F-4D97-AF65-F5344CB8AC3E}">
+        <p14:creationId xmlns:p14="http://schemas.microsoft.com/office/powerpoint/2010/main" val="391379849"/>
+      </p:ext>
+    </p:extLst>
+  </p:cSld>
+  <p:clrMapOvr>
+    <a:masterClrMapping/>
+  </p:clrMapOvr>
+</p:sld>
+</file>
+
+<file path=ppt/slides/slide11.xml><?xml version="1.0" encoding="utf-8"?>
+<p:sld xmlns:a="http://schemas.openxmlformats.org/drawingml/2006/main" xmlns:r="http://schemas.openxmlformats.org/officeDocument/2006/relationships" xmlns:p="http://schemas.openxmlformats.org/presentationml/2006/main">
+  <p:cSld>
+    <p:spTree>
+      <p:nvGrpSpPr>
+        <p:cNvPr id="1" name=""/>
+        <p:cNvGrpSpPr/>
+        <p:nvPr/>
+      </p:nvGrpSpPr>
+      <p:grpSpPr>
+        <a:xfrm>
+          <a:off x="0" y="0"/>
+          <a:ext cx="0" cy="0"/>
+          <a:chOff x="0" y="0"/>
+          <a:chExt cx="0" cy="0"/>
+        </a:xfrm>
+      </p:grpSpPr>
+      <p:sp>
+        <p:nvSpPr>
+          <p:cNvPr id="2" name="Title 1">
+            <a:extLst>
+              <a:ext uri="{FF2B5EF4-FFF2-40B4-BE49-F238E27FC236}">
+                <a16:creationId xmlns:a16="http://schemas.microsoft.com/office/drawing/2014/main" id="{01176AB4-05B5-ADF2-8A54-DA1E5E47996D}"/>
+              </a:ext>
+            </a:extLst>
+          </p:cNvPr>
+          <p:cNvSpPr>
+            <a:spLocks noGrp="1"/>
+          </p:cNvSpPr>
+          <p:nvPr>
+            <p:ph type="title"/>
+          </p:nvPr>
+        </p:nvSpPr>
+        <p:spPr/>
+        <p:txBody>
+          <a:bodyPr/>
+          <a:lstStyle/>
+          <a:p>
+            <a:endParaRPr lang="en-GB"/>
+          </a:p>
+        </p:txBody>
+      </p:sp>
+      <p:sp>
+        <p:nvSpPr>
+          <p:cNvPr id="3" name="Content Placeholder 2">
+            <a:extLst>
+              <a:ext uri="{FF2B5EF4-FFF2-40B4-BE49-F238E27FC236}">
+                <a16:creationId xmlns:a16="http://schemas.microsoft.com/office/drawing/2014/main" id="{2E6D1526-F005-198C-FDB8-980516ED3C99}"/>
+              </a:ext>
+            </a:extLst>
+          </p:cNvPr>
+          <p:cNvSpPr>
+            <a:spLocks noGrp="1"/>
+          </p:cNvSpPr>
+          <p:nvPr>
+            <p:ph idx="1"/>
+          </p:nvPr>
+        </p:nvSpPr>
+        <p:spPr/>
+        <p:txBody>
+          <a:bodyPr/>
+          <a:lstStyle/>
+          <a:p>
+            <a:endParaRPr lang="en-GB"/>
+          </a:p>
+        </p:txBody>
+      </p:sp>
+      <p:pic>
+        <p:nvPicPr>
+          <p:cNvPr id="6" name="Picture 5">
+            <a:extLst>
+              <a:ext uri="{FF2B5EF4-FFF2-40B4-BE49-F238E27FC236}">
+                <a16:creationId xmlns:a16="http://schemas.microsoft.com/office/drawing/2014/main" id="{EDBF6D83-2075-1245-3ED8-0B7CB9A7878A}"/>
+              </a:ext>
+            </a:extLst>
+          </p:cNvPr>
+          <p:cNvPicPr>
+            <a:picLocks noChangeAspect="1"/>
+          </p:cNvPicPr>
+          <p:nvPr/>
+        </p:nvPicPr>
+        <p:blipFill>
+          <a:blip r:embed="rId3"/>
+          <a:stretch>
+            <a:fillRect/>
+          </a:stretch>
+        </p:blipFill>
+        <p:spPr>
+          <a:xfrm>
+            <a:off x="1138813" y="27904"/>
+            <a:ext cx="9914374" cy="6802192"/>
+          </a:xfrm>
+          <a:prstGeom prst="rect">
+            <a:avLst/>
+          </a:prstGeom>
+        </p:spPr>
+      </p:pic>
+    </p:spTree>
+    <p:extLst>
+      <p:ext uri="{BB962C8B-B14F-4D97-AF65-F5344CB8AC3E}">
+        <p14:creationId xmlns:p14="http://schemas.microsoft.com/office/powerpoint/2010/main" val="1512411610"/>
+      </p:ext>
+    </p:extLst>
+  </p:cSld>
+  <p:clrMapOvr>
+    <a:masterClrMapping/>
+  </p:clrMapOvr>
+</p:sld>
+</file>
+
+<file path=ppt/slides/slide12.xml><?xml version="1.0" encoding="utf-8"?>
+<p:sld xmlns:a="http://schemas.openxmlformats.org/drawingml/2006/main" xmlns:r="http://schemas.openxmlformats.org/officeDocument/2006/relationships" xmlns:p="http://schemas.openxmlformats.org/presentationml/2006/main">
+  <p:cSld>
+    <p:spTree>
+      <p:nvGrpSpPr>
+        <p:cNvPr id="1" name=""/>
+        <p:cNvGrpSpPr/>
+        <p:nvPr/>
+      </p:nvGrpSpPr>
+      <p:grpSpPr>
+        <a:xfrm>
+          <a:off x="0" y="0"/>
+          <a:ext cx="0" cy="0"/>
+          <a:chOff x="0" y="0"/>
+          <a:chExt cx="0" cy="0"/>
+        </a:xfrm>
+      </p:grpSpPr>
+      <p:sp>
+        <p:nvSpPr>
+          <p:cNvPr id="2" name="Title 1">
+            <a:extLst>
+              <a:ext uri="{FF2B5EF4-FFF2-40B4-BE49-F238E27FC236}">
+                <a16:creationId xmlns:a16="http://schemas.microsoft.com/office/drawing/2014/main" id="{CDB95A50-2B5D-00A2-FB0D-85413C147933}"/>
+              </a:ext>
+            </a:extLst>
+          </p:cNvPr>
+          <p:cNvSpPr>
+            <a:spLocks noGrp="1"/>
+          </p:cNvSpPr>
+          <p:nvPr>
+            <p:ph type="title"/>
+          </p:nvPr>
+        </p:nvSpPr>
+        <p:spPr/>
+        <p:txBody>
+          <a:bodyPr/>
+          <a:lstStyle/>
+          <a:p>
+            <a:endParaRPr lang="en-GB"/>
+          </a:p>
+        </p:txBody>
+      </p:sp>
+      <p:sp>
+        <p:nvSpPr>
+          <p:cNvPr id="3" name="Content Placeholder 2">
+            <a:extLst>
+              <a:ext uri="{FF2B5EF4-FFF2-40B4-BE49-F238E27FC236}">
+                <a16:creationId xmlns:a16="http://schemas.microsoft.com/office/drawing/2014/main" id="{9E1DC1AC-18A5-A95E-ACA2-F8BA0F2DBFDC}"/>
+              </a:ext>
+            </a:extLst>
+          </p:cNvPr>
+          <p:cNvSpPr>
+            <a:spLocks noGrp="1"/>
+          </p:cNvSpPr>
+          <p:nvPr>
+            <p:ph idx="1"/>
+          </p:nvPr>
+        </p:nvSpPr>
+        <p:spPr/>
+        <p:txBody>
+          <a:bodyPr/>
+          <a:lstStyle/>
+          <a:p>
+            <a:endParaRPr lang="en-GB"/>
+          </a:p>
+        </p:txBody>
+      </p:sp>
+    </p:spTree>
+    <p:extLst>
+      <p:ext uri="{BB962C8B-B14F-4D97-AF65-F5344CB8AC3E}">
+        <p14:creationId xmlns:p14="http://schemas.microsoft.com/office/powerpoint/2010/main" val="1945215679"/>
+      </p:ext>
+    </p:extLst>
+  </p:cSld>
+  <p:clrMapOvr>
+    <a:masterClrMapping/>
+  </p:clrMapOvr>
+</p:sld>
+</file>
+
 <file path=ppt/slides/slide2.xml><?xml version="1.0" encoding="utf-8"?>
 <p:sld xmlns:a="http://schemas.openxmlformats.org/drawingml/2006/main" xmlns:r="http://schemas.openxmlformats.org/officeDocument/2006/relationships" xmlns:p="http://schemas.openxmlformats.org/presentationml/2006/main">
   <p:cSld>
@@ -5497,6 +6585,14 @@
 <file path=ppt/slides/slide6.xml><?xml version="1.0" encoding="utf-8"?>
 <p:sld xmlns:a="http://schemas.openxmlformats.org/drawingml/2006/main" xmlns:r="http://schemas.openxmlformats.org/officeDocument/2006/relationships" xmlns:p="http://schemas.openxmlformats.org/presentationml/2006/main">
   <p:cSld>
+    <p:bg>
+      <p:bgPr>
+        <a:solidFill>
+          <a:schemeClr val="bg1"/>
+        </a:solidFill>
+        <a:effectLst/>
+      </p:bgPr>
+    </p:bg>
     <p:spTree>
       <p:nvGrpSpPr>
         <p:cNvPr id="1" name=""/>
@@ -5511,12 +6607,72 @@
           <a:chExt cx="0" cy="0"/>
         </a:xfrm>
       </p:grpSpPr>
+      <p:sp useBgFill="1">
+        <p:nvSpPr>
+          <p:cNvPr id="16" name="Rectangle 15">
+            <a:extLst>
+              <a:ext uri="{FF2B5EF4-FFF2-40B4-BE49-F238E27FC236}">
+                <a16:creationId xmlns:a16="http://schemas.microsoft.com/office/drawing/2014/main" id="{BCED4D40-4B67-4331-AC48-79B82B4A47D8}"/>
+              </a:ext>
+              <a:ext uri="{C183D7F6-B498-43B3-948B-1728B52AA6E4}">
+                <adec:decorative xmlns:adec="http://schemas.microsoft.com/office/drawing/2017/decorative" val="1"/>
+              </a:ext>
+            </a:extLst>
+          </p:cNvPr>
+          <p:cNvSpPr>
+            <a:spLocks noGrp="1" noRot="1" noChangeAspect="1" noMove="1" noResize="1" noEditPoints="1" noAdjustHandles="1" noChangeArrowheads="1" noChangeShapeType="1" noTextEdit="1"/>
+          </p:cNvSpPr>
+          <p:nvPr>
+            <p:extLst>
+              <p:ext uri="{386F3935-93C4-4BCD-93E2-E3B085C9AB24}">
+                <p16:designElem xmlns:p16="http://schemas.microsoft.com/office/powerpoint/2015/main" val="1"/>
+              </p:ext>
+            </p:extLst>
+          </p:nvPr>
+        </p:nvSpPr>
+        <p:spPr>
+          <a:xfrm>
+            <a:off x="0" y="0"/>
+            <a:ext cx="12192000" cy="6858000"/>
+          </a:xfrm>
+          <a:prstGeom prst="rect">
+            <a:avLst/>
+          </a:prstGeom>
+          <a:ln>
+            <a:noFill/>
+          </a:ln>
+        </p:spPr>
+        <p:style>
+          <a:lnRef idx="2">
+            <a:schemeClr val="accent1">
+              <a:shade val="50000"/>
+            </a:schemeClr>
+          </a:lnRef>
+          <a:fillRef idx="1">
+            <a:schemeClr val="accent1"/>
+          </a:fillRef>
+          <a:effectRef idx="0">
+            <a:schemeClr val="accent1"/>
+          </a:effectRef>
+          <a:fontRef idx="minor">
+            <a:schemeClr val="lt1"/>
+          </a:fontRef>
+        </p:style>
+        <p:txBody>
+          <a:bodyPr rtlCol="0" anchor="ctr"/>
+          <a:lstStyle/>
+          <a:p>
+            <a:pPr algn="ctr"/>
+            <a:endParaRPr lang="en-US"/>
+          </a:p>
+        </p:txBody>
+      </p:sp>
       <p:sp>
         <p:nvSpPr>
           <p:cNvPr id="2" name="Title 1">
             <a:extLst>
               <a:ext uri="{FF2B5EF4-FFF2-40B4-BE49-F238E27FC236}">
-                <a16:creationId xmlns:a16="http://schemas.microsoft.com/office/drawing/2014/main" id="{32BA1732-9F00-3D9A-6AEE-0D462DEF0344}"/>
+                <a16:creationId xmlns:a16="http://schemas.microsoft.com/office/drawing/2014/main" id="{253048AC-8D04-0CEB-5174-D3B6D67AA674}"/>
               </a:ext>
             </a:extLst>
           </p:cNvPr>
@@ -5527,23 +6683,50 @@
             <p:ph type="title"/>
           </p:nvPr>
         </p:nvSpPr>
-        <p:spPr/>
-        <p:txBody>
-          <a:bodyPr>
+        <p:spPr>
+          <a:xfrm>
+            <a:off x="638881" y="417576"/>
+            <a:ext cx="10909640" cy="1249394"/>
+          </a:xfrm>
+        </p:spPr>
+        <p:txBody>
+          <a:bodyPr vert="horz" lIns="91440" tIns="45720" rIns="91440" bIns="45720" rtlCol="0" anchor="ctr">
             <a:normAutofit/>
           </a:bodyPr>
           <a:lstStyle/>
           <a:p>
-            <a:r>
-              <a:rPr lang="en-GB" sz="3600" dirty="0"/>
+            <a:pPr algn="ctr"/>
+            <a:r>
+              <a:rPr lang="en-US" sz="4100" kern="1200">
+                <a:solidFill>
+                  <a:schemeClr val="tx1"/>
+                </a:solidFill>
+                <a:latin typeface="+mj-lt"/>
+                <a:ea typeface="+mj-ea"/>
+                <a:cs typeface="+mj-cs"/>
+              </a:rPr>
               <a:t>Generalised		Additive		</a:t>
             </a:r>
             <a:r>
-              <a:rPr lang="en-GB" sz="3600" strike="sngStrike" dirty="0"/>
+              <a:rPr lang="en-US" sz="4100" strike="sngStrike" kern="1200">
+                <a:solidFill>
+                  <a:schemeClr val="tx1"/>
+                </a:solidFill>
+                <a:latin typeface="+mj-lt"/>
+                <a:ea typeface="+mj-ea"/>
+                <a:cs typeface="+mj-cs"/>
+              </a:rPr>
               <a:t>Mixed</a:t>
             </a:r>
             <a:r>
-              <a:rPr lang="en-GB" sz="3600" dirty="0"/>
+              <a:rPr lang="en-US" sz="4100" kern="1200">
+                <a:solidFill>
+                  <a:schemeClr val="tx1"/>
+                </a:solidFill>
+                <a:latin typeface="+mj-lt"/>
+                <a:ea typeface="+mj-ea"/>
+                <a:cs typeface="+mj-cs"/>
+              </a:rPr>
               <a:t>		Model</a:t>
             </a:r>
           </a:p>
@@ -5554,7 +6737,7 @@
           <p:cNvPr id="3" name="Content Placeholder 2">
             <a:extLst>
               <a:ext uri="{FF2B5EF4-FFF2-40B4-BE49-F238E27FC236}">
-                <a16:creationId xmlns:a16="http://schemas.microsoft.com/office/drawing/2014/main" id="{4C1510B4-A0C4-225D-A95F-D383B63D75DA}"/>
+                <a16:creationId xmlns:a16="http://schemas.microsoft.com/office/drawing/2014/main" id="{8361A87F-B198-3662-5A9C-FBC5700671D4}"/>
               </a:ext>
             </a:extLst>
           </p:cNvPr>
@@ -5565,24 +6748,482 @@
             <p:ph idx="1"/>
           </p:nvPr>
         </p:nvSpPr>
-        <p:spPr/>
-        <p:txBody>
-          <a:bodyPr/>
+        <p:spPr>
+          <a:xfrm>
+            <a:off x="638881" y="1809540"/>
+            <a:ext cx="10909643" cy="1534687"/>
+          </a:xfrm>
+        </p:spPr>
+        <p:txBody>
+          <a:bodyPr vert="horz" lIns="91440" tIns="45720" rIns="91440" bIns="45720" rtlCol="0" anchor="ctr">
+            <a:normAutofit/>
+          </a:bodyPr>
           <a:lstStyle/>
           <a:p>
             <a:pPr marL="0" indent="0" algn="ctr">
               <a:buNone/>
             </a:pPr>
-            <a:endParaRPr lang="en-GB" dirty="0"/>
+            <a:r>
+              <a:rPr lang="en-US" sz="2400" kern="1200" dirty="0">
+                <a:solidFill>
+                  <a:schemeClr val="tx1"/>
+                </a:solidFill>
+                <a:latin typeface="+mn-lt"/>
+                <a:ea typeface="+mn-ea"/>
+                <a:cs typeface="+mn-cs"/>
+              </a:rPr>
+              <a:t>model &lt;- bam(F2 ~ s(measurement.no, bs = “</a:t>
+            </a:r>
+            <a:r>
+              <a:rPr lang="en-US" sz="2400" kern="1200" dirty="0" err="1">
+                <a:solidFill>
+                  <a:schemeClr val="tx1"/>
+                </a:solidFill>
+                <a:latin typeface="+mn-lt"/>
+                <a:ea typeface="+mn-ea"/>
+                <a:cs typeface="+mn-cs"/>
+              </a:rPr>
+              <a:t>cr</a:t>
+            </a:r>
+            <a:r>
+              <a:rPr lang="en-US" sz="2400" kern="1200" dirty="0">
+                <a:solidFill>
+                  <a:schemeClr val="tx1"/>
+                </a:solidFill>
+                <a:latin typeface="+mn-lt"/>
+                <a:ea typeface="+mn-ea"/>
+                <a:cs typeface="+mn-cs"/>
+              </a:rPr>
+              <a:t>”, k = 10), data)</a:t>
+            </a:r>
+          </a:p>
+          <a:p>
+            <a:pPr marL="0" indent="0" algn="ctr">
+              <a:buNone/>
+            </a:pPr>
+            <a:r>
+              <a:rPr lang="en-US" sz="2400" kern="1200" dirty="0">
+                <a:solidFill>
+                  <a:schemeClr val="tx1"/>
+                </a:solidFill>
+                <a:latin typeface="+mn-lt"/>
+                <a:ea typeface="+mn-ea"/>
+                <a:cs typeface="+mn-cs"/>
+              </a:rPr>
+              <a:t>model &lt;- bam(F2 ~ s(measurement.no, bs = “</a:t>
+            </a:r>
+            <a:r>
+              <a:rPr lang="en-US" sz="2400" kern="1200" dirty="0" err="1">
+                <a:solidFill>
+                  <a:schemeClr val="tx1"/>
+                </a:solidFill>
+                <a:latin typeface="+mn-lt"/>
+                <a:ea typeface="+mn-ea"/>
+                <a:cs typeface="+mn-cs"/>
+              </a:rPr>
+              <a:t>cr</a:t>
+            </a:r>
+            <a:r>
+              <a:rPr lang="en-US" sz="2400" kern="1200" dirty="0">
+                <a:solidFill>
+                  <a:schemeClr val="tx1"/>
+                </a:solidFill>
+                <a:latin typeface="+mn-lt"/>
+                <a:ea typeface="+mn-ea"/>
+                <a:cs typeface="+mn-cs"/>
+              </a:rPr>
+              <a:t>”, k = 20), data)</a:t>
+            </a:r>
+          </a:p>
+          <a:p>
+            <a:pPr marL="0" indent="0" algn="ctr">
+              <a:buNone/>
+            </a:pPr>
+            <a:r>
+              <a:rPr lang="en-US" sz="2400" kern="1200" dirty="0">
+                <a:solidFill>
+                  <a:schemeClr val="tx1"/>
+                </a:solidFill>
+                <a:latin typeface="+mn-lt"/>
+                <a:ea typeface="+mn-ea"/>
+                <a:cs typeface="+mn-cs"/>
+              </a:rPr>
+              <a:t>model &lt;- bam(F2 ~ s(measurement.no, bs = “</a:t>
+            </a:r>
+            <a:r>
+              <a:rPr lang="en-US" sz="2400" kern="1200" dirty="0" err="1">
+                <a:solidFill>
+                  <a:schemeClr val="tx1"/>
+                </a:solidFill>
+                <a:latin typeface="+mn-lt"/>
+                <a:ea typeface="+mn-ea"/>
+                <a:cs typeface="+mn-cs"/>
+              </a:rPr>
+              <a:t>cr</a:t>
+            </a:r>
+            <a:r>
+              <a:rPr lang="en-US" sz="2400" kern="1200" dirty="0">
+                <a:solidFill>
+                  <a:schemeClr val="tx1"/>
+                </a:solidFill>
+                <a:latin typeface="+mn-lt"/>
+                <a:ea typeface="+mn-ea"/>
+                <a:cs typeface="+mn-cs"/>
+              </a:rPr>
+              <a:t>”, k = 50), data)</a:t>
+            </a:r>
+          </a:p>
+        </p:txBody>
+      </p:sp>
+      <p:sp>
+        <p:nvSpPr>
+          <p:cNvPr id="18" name="sketch line">
+            <a:extLst>
+              <a:ext uri="{FF2B5EF4-FFF2-40B4-BE49-F238E27FC236}">
+                <a16:creationId xmlns:a16="http://schemas.microsoft.com/office/drawing/2014/main" id="{670CEDEF-4F34-412E-84EE-329C1E936AF5}"/>
+              </a:ext>
+              <a:ext uri="{C183D7F6-B498-43B3-948B-1728B52AA6E4}">
+                <adec:decorative xmlns:adec="http://schemas.microsoft.com/office/drawing/2017/decorative" val="1"/>
+              </a:ext>
+            </a:extLst>
+          </p:cNvPr>
+          <p:cNvSpPr>
+            <a:spLocks noGrp="1" noRot="1" noChangeAspect="1" noMove="1" noResize="1" noEditPoints="1" noAdjustHandles="1" noChangeArrowheads="1" noChangeShapeType="1" noTextEdit="1"/>
+          </p:cNvSpPr>
+          <p:nvPr>
+            <p:extLst>
+              <p:ext uri="{386F3935-93C4-4BCD-93E2-E3B085C9AB24}">
+                <p16:designElem xmlns:p16="http://schemas.microsoft.com/office/powerpoint/2015/main" val="1"/>
+              </p:ext>
+            </p:extLst>
+          </p:nvPr>
+        </p:nvSpPr>
+        <p:spPr>
+          <a:xfrm>
+            <a:off x="3807702" y="1733454"/>
+            <a:ext cx="4572000" cy="18288"/>
+          </a:xfrm>
+          <a:custGeom>
+            <a:avLst/>
+            <a:gdLst>
+              <a:gd name="connsiteX0" fmla="*/ 0 w 4572000"/>
+              <a:gd name="connsiteY0" fmla="*/ 0 h 18288"/>
+              <a:gd name="connsiteX1" fmla="*/ 515983 w 4572000"/>
+              <a:gd name="connsiteY1" fmla="*/ 0 h 18288"/>
+              <a:gd name="connsiteX2" fmla="*/ 1031966 w 4572000"/>
+              <a:gd name="connsiteY2" fmla="*/ 0 h 18288"/>
+              <a:gd name="connsiteX3" fmla="*/ 1639389 w 4572000"/>
+              <a:gd name="connsiteY3" fmla="*/ 0 h 18288"/>
+              <a:gd name="connsiteX4" fmla="*/ 2383971 w 4572000"/>
+              <a:gd name="connsiteY4" fmla="*/ 0 h 18288"/>
+              <a:gd name="connsiteX5" fmla="*/ 2945674 w 4572000"/>
+              <a:gd name="connsiteY5" fmla="*/ 0 h 18288"/>
+              <a:gd name="connsiteX6" fmla="*/ 3507377 w 4572000"/>
+              <a:gd name="connsiteY6" fmla="*/ 0 h 18288"/>
+              <a:gd name="connsiteX7" fmla="*/ 4572000 w 4572000"/>
+              <a:gd name="connsiteY7" fmla="*/ 0 h 18288"/>
+              <a:gd name="connsiteX8" fmla="*/ 4572000 w 4572000"/>
+              <a:gd name="connsiteY8" fmla="*/ 18288 h 18288"/>
+              <a:gd name="connsiteX9" fmla="*/ 3873137 w 4572000"/>
+              <a:gd name="connsiteY9" fmla="*/ 18288 h 18288"/>
+              <a:gd name="connsiteX10" fmla="*/ 3311434 w 4572000"/>
+              <a:gd name="connsiteY10" fmla="*/ 18288 h 18288"/>
+              <a:gd name="connsiteX11" fmla="*/ 2749731 w 4572000"/>
+              <a:gd name="connsiteY11" fmla="*/ 18288 h 18288"/>
+              <a:gd name="connsiteX12" fmla="*/ 2050869 w 4572000"/>
+              <a:gd name="connsiteY12" fmla="*/ 18288 h 18288"/>
+              <a:gd name="connsiteX13" fmla="*/ 1306286 w 4572000"/>
+              <a:gd name="connsiteY13" fmla="*/ 18288 h 18288"/>
+              <a:gd name="connsiteX14" fmla="*/ 790303 w 4572000"/>
+              <a:gd name="connsiteY14" fmla="*/ 18288 h 18288"/>
+              <a:gd name="connsiteX15" fmla="*/ 0 w 4572000"/>
+              <a:gd name="connsiteY15" fmla="*/ 18288 h 18288"/>
+              <a:gd name="connsiteX16" fmla="*/ 0 w 4572000"/>
+              <a:gd name="connsiteY16" fmla="*/ 0 h 18288"/>
+            </a:gdLst>
+            <a:ahLst/>
+            <a:cxnLst>
+              <a:cxn ang="0">
+                <a:pos x="connsiteX0" y="connsiteY0"/>
+              </a:cxn>
+              <a:cxn ang="0">
+                <a:pos x="connsiteX1" y="connsiteY1"/>
+              </a:cxn>
+              <a:cxn ang="0">
+                <a:pos x="connsiteX2" y="connsiteY2"/>
+              </a:cxn>
+              <a:cxn ang="0">
+                <a:pos x="connsiteX3" y="connsiteY3"/>
+              </a:cxn>
+              <a:cxn ang="0">
+                <a:pos x="connsiteX4" y="connsiteY4"/>
+              </a:cxn>
+              <a:cxn ang="0">
+                <a:pos x="connsiteX5" y="connsiteY5"/>
+              </a:cxn>
+              <a:cxn ang="0">
+                <a:pos x="connsiteX6" y="connsiteY6"/>
+              </a:cxn>
+              <a:cxn ang="0">
+                <a:pos x="connsiteX7" y="connsiteY7"/>
+              </a:cxn>
+              <a:cxn ang="0">
+                <a:pos x="connsiteX8" y="connsiteY8"/>
+              </a:cxn>
+              <a:cxn ang="0">
+                <a:pos x="connsiteX9" y="connsiteY9"/>
+              </a:cxn>
+              <a:cxn ang="0">
+                <a:pos x="connsiteX10" y="connsiteY10"/>
+              </a:cxn>
+              <a:cxn ang="0">
+                <a:pos x="connsiteX11" y="connsiteY11"/>
+              </a:cxn>
+              <a:cxn ang="0">
+                <a:pos x="connsiteX12" y="connsiteY12"/>
+              </a:cxn>
+              <a:cxn ang="0">
+                <a:pos x="connsiteX13" y="connsiteY13"/>
+              </a:cxn>
+              <a:cxn ang="0">
+                <a:pos x="connsiteX14" y="connsiteY14"/>
+              </a:cxn>
+              <a:cxn ang="0">
+                <a:pos x="connsiteX15" y="connsiteY15"/>
+              </a:cxn>
+              <a:cxn ang="0">
+                <a:pos x="connsiteX16" y="connsiteY16"/>
+              </a:cxn>
+            </a:cxnLst>
+            <a:rect l="l" t="t" r="r" b="b"/>
+            <a:pathLst>
+              <a:path w="4572000" h="18288" fill="none" extrusionOk="0">
+                <a:moveTo>
+                  <a:pt x="0" y="0"/>
+                </a:moveTo>
+                <a:cubicBezTo>
+                  <a:pt x="105156" y="-20963"/>
+                  <a:pt x="340432" y="822"/>
+                  <a:pt x="515983" y="0"/>
+                </a:cubicBezTo>
+                <a:cubicBezTo>
+                  <a:pt x="691534" y="-822"/>
+                  <a:pt x="850679" y="16479"/>
+                  <a:pt x="1031966" y="0"/>
+                </a:cubicBezTo>
+                <a:cubicBezTo>
+                  <a:pt x="1213253" y="-16479"/>
+                  <a:pt x="1443646" y="-18730"/>
+                  <a:pt x="1639389" y="0"/>
+                </a:cubicBezTo>
+                <a:cubicBezTo>
+                  <a:pt x="1835132" y="18730"/>
+                  <a:pt x="2159975" y="18531"/>
+                  <a:pt x="2383971" y="0"/>
+                </a:cubicBezTo>
+                <a:cubicBezTo>
+                  <a:pt x="2607967" y="-18531"/>
+                  <a:pt x="2719096" y="-12030"/>
+                  <a:pt x="2945674" y="0"/>
+                </a:cubicBezTo>
+                <a:cubicBezTo>
+                  <a:pt x="3172252" y="12030"/>
+                  <a:pt x="3269167" y="27666"/>
+                  <a:pt x="3507377" y="0"/>
+                </a:cubicBezTo>
+                <a:cubicBezTo>
+                  <a:pt x="3745587" y="-27666"/>
+                  <a:pt x="4116741" y="18705"/>
+                  <a:pt x="4572000" y="0"/>
+                </a:cubicBezTo>
+                <a:cubicBezTo>
+                  <a:pt x="4572895" y="8974"/>
+                  <a:pt x="4571454" y="9359"/>
+                  <a:pt x="4572000" y="18288"/>
+                </a:cubicBezTo>
+                <a:cubicBezTo>
+                  <a:pt x="4374698" y="3942"/>
+                  <a:pt x="4098874" y="-11042"/>
+                  <a:pt x="3873137" y="18288"/>
+                </a:cubicBezTo>
+                <a:cubicBezTo>
+                  <a:pt x="3647400" y="47618"/>
+                  <a:pt x="3517055" y="5421"/>
+                  <a:pt x="3311434" y="18288"/>
+                </a:cubicBezTo>
+                <a:cubicBezTo>
+                  <a:pt x="3105813" y="31155"/>
+                  <a:pt x="3025168" y="17856"/>
+                  <a:pt x="2749731" y="18288"/>
+                </a:cubicBezTo>
+                <a:cubicBezTo>
+                  <a:pt x="2474294" y="18720"/>
+                  <a:pt x="2291766" y="-14168"/>
+                  <a:pt x="2050869" y="18288"/>
+                </a:cubicBezTo>
+                <a:cubicBezTo>
+                  <a:pt x="1809972" y="50744"/>
+                  <a:pt x="1540276" y="46798"/>
+                  <a:pt x="1306286" y="18288"/>
+                </a:cubicBezTo>
+                <a:cubicBezTo>
+                  <a:pt x="1072296" y="-10222"/>
+                  <a:pt x="972445" y="19645"/>
+                  <a:pt x="790303" y="18288"/>
+                </a:cubicBezTo>
+                <a:cubicBezTo>
+                  <a:pt x="608161" y="16931"/>
+                  <a:pt x="200981" y="8241"/>
+                  <a:pt x="0" y="18288"/>
+                </a:cubicBezTo>
+                <a:cubicBezTo>
+                  <a:pt x="-229" y="14222"/>
+                  <a:pt x="509" y="5816"/>
+                  <a:pt x="0" y="0"/>
+                </a:cubicBezTo>
+                <a:close/>
+              </a:path>
+              <a:path w="4572000" h="18288" stroke="0" extrusionOk="0">
+                <a:moveTo>
+                  <a:pt x="0" y="0"/>
+                </a:moveTo>
+                <a:cubicBezTo>
+                  <a:pt x="143285" y="-9565"/>
+                  <a:pt x="327959" y="-11498"/>
+                  <a:pt x="561703" y="0"/>
+                </a:cubicBezTo>
+                <a:cubicBezTo>
+                  <a:pt x="795447" y="11498"/>
+                  <a:pt x="838260" y="18255"/>
+                  <a:pt x="1077686" y="0"/>
+                </a:cubicBezTo>
+                <a:cubicBezTo>
+                  <a:pt x="1317112" y="-18255"/>
+                  <a:pt x="1437472" y="23514"/>
+                  <a:pt x="1639389" y="0"/>
+                </a:cubicBezTo>
+                <a:cubicBezTo>
+                  <a:pt x="1841306" y="-23514"/>
+                  <a:pt x="2037142" y="-12551"/>
+                  <a:pt x="2292531" y="0"/>
+                </a:cubicBezTo>
+                <a:cubicBezTo>
+                  <a:pt x="2547920" y="12551"/>
+                  <a:pt x="2810436" y="-20352"/>
+                  <a:pt x="2991394" y="0"/>
+                </a:cubicBezTo>
+                <a:cubicBezTo>
+                  <a:pt x="3172352" y="20352"/>
+                  <a:pt x="3530025" y="-13347"/>
+                  <a:pt x="3735977" y="0"/>
+                </a:cubicBezTo>
+                <a:cubicBezTo>
+                  <a:pt x="3941929" y="13347"/>
+                  <a:pt x="4161497" y="34086"/>
+                  <a:pt x="4572000" y="0"/>
+                </a:cubicBezTo>
+                <a:cubicBezTo>
+                  <a:pt x="4571545" y="6162"/>
+                  <a:pt x="4571903" y="11775"/>
+                  <a:pt x="4572000" y="18288"/>
+                </a:cubicBezTo>
+                <a:cubicBezTo>
+                  <a:pt x="4228040" y="36490"/>
+                  <a:pt x="4199736" y="42557"/>
+                  <a:pt x="3873137" y="18288"/>
+                </a:cubicBezTo>
+                <a:cubicBezTo>
+                  <a:pt x="3546538" y="-5981"/>
+                  <a:pt x="3472124" y="16809"/>
+                  <a:pt x="3128554" y="18288"/>
+                </a:cubicBezTo>
+                <a:cubicBezTo>
+                  <a:pt x="2784984" y="19767"/>
+                  <a:pt x="2735896" y="-17781"/>
+                  <a:pt x="2383971" y="18288"/>
+                </a:cubicBezTo>
+                <a:cubicBezTo>
+                  <a:pt x="2032046" y="54357"/>
+                  <a:pt x="2019324" y="2920"/>
+                  <a:pt x="1867989" y="18288"/>
+                </a:cubicBezTo>
+                <a:cubicBezTo>
+                  <a:pt x="1716654" y="33656"/>
+                  <a:pt x="1418675" y="32575"/>
+                  <a:pt x="1169126" y="18288"/>
+                </a:cubicBezTo>
+                <a:cubicBezTo>
+                  <a:pt x="919577" y="4001"/>
+                  <a:pt x="798537" y="16165"/>
+                  <a:pt x="561703" y="18288"/>
+                </a:cubicBezTo>
+                <a:cubicBezTo>
+                  <a:pt x="324869" y="20411"/>
+                  <a:pt x="221395" y="-912"/>
+                  <a:pt x="0" y="18288"/>
+                </a:cubicBezTo>
+                <a:cubicBezTo>
+                  <a:pt x="766" y="10800"/>
+                  <a:pt x="-457" y="8180"/>
+                  <a:pt x="0" y="0"/>
+                </a:cubicBezTo>
+                <a:close/>
+              </a:path>
+            </a:pathLst>
+          </a:custGeom>
+          <a:solidFill>
+            <a:schemeClr val="accent2"/>
+          </a:solidFill>
+          <a:ln w="41275" cap="rnd">
+            <a:solidFill>
+              <a:schemeClr val="accent2"/>
+            </a:solidFill>
+            <a:round/>
+            <a:extLst>
+              <a:ext uri="{C807C97D-BFC1-408E-A445-0C87EB9F89A2}">
+                <ask:lineSketchStyleProps xmlns:ask="http://schemas.microsoft.com/office/drawing/2018/sketchyshapes" sd="2727557108">
+                  <a:prstGeom prst="rect">
+                    <a:avLst/>
+                  </a:prstGeom>
+                  <ask:type>
+                    <ask:lineSketchFreehand/>
+                  </ask:type>
+                </ask:lineSketchStyleProps>
+              </a:ext>
+            </a:extLst>
+          </a:ln>
+        </p:spPr>
+        <p:style>
+          <a:lnRef idx="2">
+            <a:schemeClr val="accent1">
+              <a:shade val="50000"/>
+            </a:schemeClr>
+          </a:lnRef>
+          <a:fillRef idx="1">
+            <a:schemeClr val="accent1"/>
+          </a:fillRef>
+          <a:effectRef idx="0">
+            <a:schemeClr val="accent1"/>
+          </a:effectRef>
+          <a:fontRef idx="minor">
+            <a:schemeClr val="lt1"/>
+          </a:fontRef>
+        </p:style>
+        <p:txBody>
+          <a:bodyPr rtlCol="0" anchor="ctr"/>
+          <a:lstStyle/>
+          <a:p>
+            <a:pPr algn="ctr"/>
+            <a:endParaRPr lang="en-US"/>
           </a:p>
         </p:txBody>
       </p:sp>
       <p:pic>
         <p:nvPicPr>
-          <p:cNvPr id="5" name="Picture 4">
+          <p:cNvPr id="6" name="Picture 5">
             <a:extLst>
               <a:ext uri="{FF2B5EF4-FFF2-40B4-BE49-F238E27FC236}">
-                <a16:creationId xmlns:a16="http://schemas.microsoft.com/office/drawing/2014/main" id="{74DFD69B-EAA0-1A86-0DEC-134BBAF19C0E}"/>
+                <a16:creationId xmlns:a16="http://schemas.microsoft.com/office/drawing/2014/main" id="{D1154B58-3927-A05C-D866-A487E37CE9D3}"/>
               </a:ext>
             </a:extLst>
           </p:cNvPr>
@@ -5599,8 +7240,8 @@
         </p:blipFill>
         <p:spPr>
           <a:xfrm>
-            <a:off x="1259393" y="1582990"/>
-            <a:ext cx="9673214" cy="4836608"/>
+            <a:off x="404537" y="3727939"/>
+            <a:ext cx="11378328" cy="2492180"/>
           </a:xfrm>
           <a:prstGeom prst="rect">
             <a:avLst/>
@@ -5610,7 +7251,7 @@
     </p:spTree>
     <p:extLst>
       <p:ext uri="{BB962C8B-B14F-4D97-AF65-F5344CB8AC3E}">
-        <p14:creationId xmlns:p14="http://schemas.microsoft.com/office/powerpoint/2010/main" val="3666339149"/>
+        <p14:creationId xmlns:p14="http://schemas.microsoft.com/office/powerpoint/2010/main" val="1168207501"/>
       </p:ext>
     </p:extLst>
   </p:cSld>
@@ -5623,6 +7264,14 @@
 <file path=ppt/slides/slide7.xml><?xml version="1.0" encoding="utf-8"?>
 <p:sld xmlns:a="http://schemas.openxmlformats.org/drawingml/2006/main" xmlns:r="http://schemas.openxmlformats.org/officeDocument/2006/relationships" xmlns:p="http://schemas.openxmlformats.org/presentationml/2006/main">
   <p:cSld>
+    <p:bg>
+      <p:bgPr>
+        <a:solidFill>
+          <a:schemeClr val="bg1"/>
+        </a:solidFill>
+        <a:effectLst/>
+      </p:bgPr>
+    </p:bg>
     <p:spTree>
       <p:nvGrpSpPr>
         <p:cNvPr id="1" name=""/>
@@ -5637,12 +7286,72 @@
           <a:chExt cx="0" cy="0"/>
         </a:xfrm>
       </p:grpSpPr>
+      <p:sp useBgFill="1">
+        <p:nvSpPr>
+          <p:cNvPr id="16" name="Rectangle 15">
+            <a:extLst>
+              <a:ext uri="{FF2B5EF4-FFF2-40B4-BE49-F238E27FC236}">
+                <a16:creationId xmlns:a16="http://schemas.microsoft.com/office/drawing/2014/main" id="{BCED4D40-4B67-4331-AC48-79B82B4A47D8}"/>
+              </a:ext>
+              <a:ext uri="{C183D7F6-B498-43B3-948B-1728B52AA6E4}">
+                <adec:decorative xmlns:adec="http://schemas.microsoft.com/office/drawing/2017/decorative" val="1"/>
+              </a:ext>
+            </a:extLst>
+          </p:cNvPr>
+          <p:cNvSpPr>
+            <a:spLocks noGrp="1" noRot="1" noChangeAspect="1" noMove="1" noResize="1" noEditPoints="1" noAdjustHandles="1" noChangeArrowheads="1" noChangeShapeType="1" noTextEdit="1"/>
+          </p:cNvSpPr>
+          <p:nvPr>
+            <p:extLst>
+              <p:ext uri="{386F3935-93C4-4BCD-93E2-E3B085C9AB24}">
+                <p16:designElem xmlns:p16="http://schemas.microsoft.com/office/powerpoint/2015/main" val="1"/>
+              </p:ext>
+            </p:extLst>
+          </p:nvPr>
+        </p:nvSpPr>
+        <p:spPr>
+          <a:xfrm>
+            <a:off x="0" y="0"/>
+            <a:ext cx="12192000" cy="6858000"/>
+          </a:xfrm>
+          <a:prstGeom prst="rect">
+            <a:avLst/>
+          </a:prstGeom>
+          <a:ln>
+            <a:noFill/>
+          </a:ln>
+        </p:spPr>
+        <p:style>
+          <a:lnRef idx="2">
+            <a:schemeClr val="accent1">
+              <a:shade val="50000"/>
+            </a:schemeClr>
+          </a:lnRef>
+          <a:fillRef idx="1">
+            <a:schemeClr val="accent1"/>
+          </a:fillRef>
+          <a:effectRef idx="0">
+            <a:schemeClr val="accent1"/>
+          </a:effectRef>
+          <a:fontRef idx="minor">
+            <a:schemeClr val="lt1"/>
+          </a:fontRef>
+        </p:style>
+        <p:txBody>
+          <a:bodyPr rtlCol="0" anchor="ctr"/>
+          <a:lstStyle/>
+          <a:p>
+            <a:pPr algn="ctr"/>
+            <a:endParaRPr lang="en-US"/>
+          </a:p>
+        </p:txBody>
+      </p:sp>
       <p:sp>
         <p:nvSpPr>
           <p:cNvPr id="2" name="Title 1">
             <a:extLst>
               <a:ext uri="{FF2B5EF4-FFF2-40B4-BE49-F238E27FC236}">
-                <a16:creationId xmlns:a16="http://schemas.microsoft.com/office/drawing/2014/main" id="{ADED9833-8B56-E48B-DAE9-A3146069A802}"/>
+                <a16:creationId xmlns:a16="http://schemas.microsoft.com/office/drawing/2014/main" id="{253048AC-8D04-0CEB-5174-D3B6D67AA674}"/>
               </a:ext>
             </a:extLst>
           </p:cNvPr>
@@ -5653,12 +7362,63 @@
             <p:ph type="title"/>
           </p:nvPr>
         </p:nvSpPr>
-        <p:spPr/>
-        <p:txBody>
-          <a:bodyPr/>
-          <a:lstStyle/>
-          <a:p>
-            <a:endParaRPr lang="en-GB"/>
+        <p:spPr>
+          <a:xfrm>
+            <a:off x="638881" y="417576"/>
+            <a:ext cx="10909640" cy="1249394"/>
+          </a:xfrm>
+        </p:spPr>
+        <p:txBody>
+          <a:bodyPr vert="horz" lIns="91440" tIns="45720" rIns="91440" bIns="45720" rtlCol="0" anchor="ctr">
+            <a:normAutofit/>
+          </a:bodyPr>
+          <a:lstStyle/>
+          <a:p>
+            <a:pPr algn="ctr"/>
+            <a:r>
+              <a:rPr lang="en-US" sz="4100" kern="1200" dirty="0" err="1">
+                <a:solidFill>
+                  <a:schemeClr val="tx1"/>
+                </a:solidFill>
+                <a:latin typeface="+mj-lt"/>
+                <a:ea typeface="+mj-ea"/>
+                <a:cs typeface="+mj-cs"/>
+              </a:rPr>
+              <a:t>Generalised</a:t>
+            </a:r>
+            <a:r>
+              <a:rPr lang="en-US" sz="4100" kern="1200" dirty="0">
+                <a:solidFill>
+                  <a:schemeClr val="tx1"/>
+                </a:solidFill>
+                <a:latin typeface="+mj-lt"/>
+                <a:ea typeface="+mj-ea"/>
+                <a:cs typeface="+mj-cs"/>
+              </a:rPr>
+              <a:t>		Additive		</a:t>
+            </a:r>
+            <a:r>
+              <a:rPr lang="en-US" sz="4100" b="1" kern="1200" dirty="0">
+                <a:solidFill>
+                  <a:schemeClr val="tx1"/>
+                </a:solidFill>
+                <a:latin typeface="+mj-lt"/>
+                <a:ea typeface="+mj-ea"/>
+                <a:cs typeface="+mj-cs"/>
+              </a:rPr>
+              <a:t>Mixed</a:t>
+            </a:r>
+            <a:r>
+              <a:rPr lang="en-US" sz="4100" kern="1200" dirty="0">
+                <a:solidFill>
+                  <a:schemeClr val="tx1"/>
+                </a:solidFill>
+                <a:latin typeface="+mj-lt"/>
+                <a:ea typeface="+mj-ea"/>
+                <a:cs typeface="+mj-cs"/>
+              </a:rPr>
+              <a:t>		Model</a:t>
+            </a:r>
           </a:p>
         </p:txBody>
       </p:sp>
@@ -5667,7 +7427,7 @@
           <p:cNvPr id="3" name="Content Placeholder 2">
             <a:extLst>
               <a:ext uri="{FF2B5EF4-FFF2-40B4-BE49-F238E27FC236}">
-                <a16:creationId xmlns:a16="http://schemas.microsoft.com/office/drawing/2014/main" id="{5EA65455-27BD-4CF0-7827-2165BD0AEB94}"/>
+                <a16:creationId xmlns:a16="http://schemas.microsoft.com/office/drawing/2014/main" id="{8361A87F-B198-3662-5A9C-FBC5700671D4}"/>
               </a:ext>
             </a:extLst>
           </p:cNvPr>
@@ -5678,19 +7438,1587 @@
             <p:ph idx="1"/>
           </p:nvPr>
         </p:nvSpPr>
-        <p:spPr/>
-        <p:txBody>
-          <a:bodyPr/>
-          <a:lstStyle/>
-          <a:p>
-            <a:endParaRPr lang="en-GB"/>
-          </a:p>
-        </p:txBody>
-      </p:sp>
+        <p:spPr>
+          <a:xfrm>
+            <a:off x="638881" y="1809541"/>
+            <a:ext cx="10909643" cy="687406"/>
+          </a:xfrm>
+        </p:spPr>
+        <p:txBody>
+          <a:bodyPr vert="horz" lIns="91440" tIns="45720" rIns="91440" bIns="45720" rtlCol="0" anchor="ctr">
+            <a:normAutofit/>
+          </a:bodyPr>
+          <a:lstStyle/>
+          <a:p>
+            <a:pPr marL="0" indent="0" algn="ctr">
+              <a:buNone/>
+            </a:pPr>
+            <a:endParaRPr lang="en-US" sz="2400" kern="1200" dirty="0">
+              <a:solidFill>
+                <a:schemeClr val="tx1"/>
+              </a:solidFill>
+              <a:latin typeface="+mn-lt"/>
+              <a:ea typeface="+mn-ea"/>
+              <a:cs typeface="+mn-cs"/>
+            </a:endParaRPr>
+          </a:p>
+        </p:txBody>
+      </p:sp>
+      <p:sp>
+        <p:nvSpPr>
+          <p:cNvPr id="18" name="sketch line">
+            <a:extLst>
+              <a:ext uri="{FF2B5EF4-FFF2-40B4-BE49-F238E27FC236}">
+                <a16:creationId xmlns:a16="http://schemas.microsoft.com/office/drawing/2014/main" id="{670CEDEF-4F34-412E-84EE-329C1E936AF5}"/>
+              </a:ext>
+              <a:ext uri="{C183D7F6-B498-43B3-948B-1728B52AA6E4}">
+                <adec:decorative xmlns:adec="http://schemas.microsoft.com/office/drawing/2017/decorative" val="1"/>
+              </a:ext>
+            </a:extLst>
+          </p:cNvPr>
+          <p:cNvSpPr>
+            <a:spLocks noGrp="1" noRot="1" noChangeAspect="1" noMove="1" noResize="1" noEditPoints="1" noAdjustHandles="1" noChangeArrowheads="1" noChangeShapeType="1" noTextEdit="1"/>
+          </p:cNvSpPr>
+          <p:nvPr>
+            <p:extLst>
+              <p:ext uri="{386F3935-93C4-4BCD-93E2-E3B085C9AB24}">
+                <p16:designElem xmlns:p16="http://schemas.microsoft.com/office/powerpoint/2015/main" val="1"/>
+              </p:ext>
+            </p:extLst>
+          </p:nvPr>
+        </p:nvSpPr>
+        <p:spPr>
+          <a:xfrm>
+            <a:off x="3807702" y="1733454"/>
+            <a:ext cx="4572000" cy="18288"/>
+          </a:xfrm>
+          <a:custGeom>
+            <a:avLst/>
+            <a:gdLst>
+              <a:gd name="connsiteX0" fmla="*/ 0 w 4572000"/>
+              <a:gd name="connsiteY0" fmla="*/ 0 h 18288"/>
+              <a:gd name="connsiteX1" fmla="*/ 515983 w 4572000"/>
+              <a:gd name="connsiteY1" fmla="*/ 0 h 18288"/>
+              <a:gd name="connsiteX2" fmla="*/ 1031966 w 4572000"/>
+              <a:gd name="connsiteY2" fmla="*/ 0 h 18288"/>
+              <a:gd name="connsiteX3" fmla="*/ 1639389 w 4572000"/>
+              <a:gd name="connsiteY3" fmla="*/ 0 h 18288"/>
+              <a:gd name="connsiteX4" fmla="*/ 2383971 w 4572000"/>
+              <a:gd name="connsiteY4" fmla="*/ 0 h 18288"/>
+              <a:gd name="connsiteX5" fmla="*/ 2945674 w 4572000"/>
+              <a:gd name="connsiteY5" fmla="*/ 0 h 18288"/>
+              <a:gd name="connsiteX6" fmla="*/ 3507377 w 4572000"/>
+              <a:gd name="connsiteY6" fmla="*/ 0 h 18288"/>
+              <a:gd name="connsiteX7" fmla="*/ 4572000 w 4572000"/>
+              <a:gd name="connsiteY7" fmla="*/ 0 h 18288"/>
+              <a:gd name="connsiteX8" fmla="*/ 4572000 w 4572000"/>
+              <a:gd name="connsiteY8" fmla="*/ 18288 h 18288"/>
+              <a:gd name="connsiteX9" fmla="*/ 3873137 w 4572000"/>
+              <a:gd name="connsiteY9" fmla="*/ 18288 h 18288"/>
+              <a:gd name="connsiteX10" fmla="*/ 3311434 w 4572000"/>
+              <a:gd name="connsiteY10" fmla="*/ 18288 h 18288"/>
+              <a:gd name="connsiteX11" fmla="*/ 2749731 w 4572000"/>
+              <a:gd name="connsiteY11" fmla="*/ 18288 h 18288"/>
+              <a:gd name="connsiteX12" fmla="*/ 2050869 w 4572000"/>
+              <a:gd name="connsiteY12" fmla="*/ 18288 h 18288"/>
+              <a:gd name="connsiteX13" fmla="*/ 1306286 w 4572000"/>
+              <a:gd name="connsiteY13" fmla="*/ 18288 h 18288"/>
+              <a:gd name="connsiteX14" fmla="*/ 790303 w 4572000"/>
+              <a:gd name="connsiteY14" fmla="*/ 18288 h 18288"/>
+              <a:gd name="connsiteX15" fmla="*/ 0 w 4572000"/>
+              <a:gd name="connsiteY15" fmla="*/ 18288 h 18288"/>
+              <a:gd name="connsiteX16" fmla="*/ 0 w 4572000"/>
+              <a:gd name="connsiteY16" fmla="*/ 0 h 18288"/>
+            </a:gdLst>
+            <a:ahLst/>
+            <a:cxnLst>
+              <a:cxn ang="0">
+                <a:pos x="connsiteX0" y="connsiteY0"/>
+              </a:cxn>
+              <a:cxn ang="0">
+                <a:pos x="connsiteX1" y="connsiteY1"/>
+              </a:cxn>
+              <a:cxn ang="0">
+                <a:pos x="connsiteX2" y="connsiteY2"/>
+              </a:cxn>
+              <a:cxn ang="0">
+                <a:pos x="connsiteX3" y="connsiteY3"/>
+              </a:cxn>
+              <a:cxn ang="0">
+                <a:pos x="connsiteX4" y="connsiteY4"/>
+              </a:cxn>
+              <a:cxn ang="0">
+                <a:pos x="connsiteX5" y="connsiteY5"/>
+              </a:cxn>
+              <a:cxn ang="0">
+                <a:pos x="connsiteX6" y="connsiteY6"/>
+              </a:cxn>
+              <a:cxn ang="0">
+                <a:pos x="connsiteX7" y="connsiteY7"/>
+              </a:cxn>
+              <a:cxn ang="0">
+                <a:pos x="connsiteX8" y="connsiteY8"/>
+              </a:cxn>
+              <a:cxn ang="0">
+                <a:pos x="connsiteX9" y="connsiteY9"/>
+              </a:cxn>
+              <a:cxn ang="0">
+                <a:pos x="connsiteX10" y="connsiteY10"/>
+              </a:cxn>
+              <a:cxn ang="0">
+                <a:pos x="connsiteX11" y="connsiteY11"/>
+              </a:cxn>
+              <a:cxn ang="0">
+                <a:pos x="connsiteX12" y="connsiteY12"/>
+              </a:cxn>
+              <a:cxn ang="0">
+                <a:pos x="connsiteX13" y="connsiteY13"/>
+              </a:cxn>
+              <a:cxn ang="0">
+                <a:pos x="connsiteX14" y="connsiteY14"/>
+              </a:cxn>
+              <a:cxn ang="0">
+                <a:pos x="connsiteX15" y="connsiteY15"/>
+              </a:cxn>
+              <a:cxn ang="0">
+                <a:pos x="connsiteX16" y="connsiteY16"/>
+              </a:cxn>
+            </a:cxnLst>
+            <a:rect l="l" t="t" r="r" b="b"/>
+            <a:pathLst>
+              <a:path w="4572000" h="18288" fill="none" extrusionOk="0">
+                <a:moveTo>
+                  <a:pt x="0" y="0"/>
+                </a:moveTo>
+                <a:cubicBezTo>
+                  <a:pt x="105156" y="-20963"/>
+                  <a:pt x="340432" y="822"/>
+                  <a:pt x="515983" y="0"/>
+                </a:cubicBezTo>
+                <a:cubicBezTo>
+                  <a:pt x="691534" y="-822"/>
+                  <a:pt x="850679" y="16479"/>
+                  <a:pt x="1031966" y="0"/>
+                </a:cubicBezTo>
+                <a:cubicBezTo>
+                  <a:pt x="1213253" y="-16479"/>
+                  <a:pt x="1443646" y="-18730"/>
+                  <a:pt x="1639389" y="0"/>
+                </a:cubicBezTo>
+                <a:cubicBezTo>
+                  <a:pt x="1835132" y="18730"/>
+                  <a:pt x="2159975" y="18531"/>
+                  <a:pt x="2383971" y="0"/>
+                </a:cubicBezTo>
+                <a:cubicBezTo>
+                  <a:pt x="2607967" y="-18531"/>
+                  <a:pt x="2719096" y="-12030"/>
+                  <a:pt x="2945674" y="0"/>
+                </a:cubicBezTo>
+                <a:cubicBezTo>
+                  <a:pt x="3172252" y="12030"/>
+                  <a:pt x="3269167" y="27666"/>
+                  <a:pt x="3507377" y="0"/>
+                </a:cubicBezTo>
+                <a:cubicBezTo>
+                  <a:pt x="3745587" y="-27666"/>
+                  <a:pt x="4116741" y="18705"/>
+                  <a:pt x="4572000" y="0"/>
+                </a:cubicBezTo>
+                <a:cubicBezTo>
+                  <a:pt x="4572895" y="8974"/>
+                  <a:pt x="4571454" y="9359"/>
+                  <a:pt x="4572000" y="18288"/>
+                </a:cubicBezTo>
+                <a:cubicBezTo>
+                  <a:pt x="4374698" y="3942"/>
+                  <a:pt x="4098874" y="-11042"/>
+                  <a:pt x="3873137" y="18288"/>
+                </a:cubicBezTo>
+                <a:cubicBezTo>
+                  <a:pt x="3647400" y="47618"/>
+                  <a:pt x="3517055" y="5421"/>
+                  <a:pt x="3311434" y="18288"/>
+                </a:cubicBezTo>
+                <a:cubicBezTo>
+                  <a:pt x="3105813" y="31155"/>
+                  <a:pt x="3025168" y="17856"/>
+                  <a:pt x="2749731" y="18288"/>
+                </a:cubicBezTo>
+                <a:cubicBezTo>
+                  <a:pt x="2474294" y="18720"/>
+                  <a:pt x="2291766" y="-14168"/>
+                  <a:pt x="2050869" y="18288"/>
+                </a:cubicBezTo>
+                <a:cubicBezTo>
+                  <a:pt x="1809972" y="50744"/>
+                  <a:pt x="1540276" y="46798"/>
+                  <a:pt x="1306286" y="18288"/>
+                </a:cubicBezTo>
+                <a:cubicBezTo>
+                  <a:pt x="1072296" y="-10222"/>
+                  <a:pt x="972445" y="19645"/>
+                  <a:pt x="790303" y="18288"/>
+                </a:cubicBezTo>
+                <a:cubicBezTo>
+                  <a:pt x="608161" y="16931"/>
+                  <a:pt x="200981" y="8241"/>
+                  <a:pt x="0" y="18288"/>
+                </a:cubicBezTo>
+                <a:cubicBezTo>
+                  <a:pt x="-229" y="14222"/>
+                  <a:pt x="509" y="5816"/>
+                  <a:pt x="0" y="0"/>
+                </a:cubicBezTo>
+                <a:close/>
+              </a:path>
+              <a:path w="4572000" h="18288" stroke="0" extrusionOk="0">
+                <a:moveTo>
+                  <a:pt x="0" y="0"/>
+                </a:moveTo>
+                <a:cubicBezTo>
+                  <a:pt x="143285" y="-9565"/>
+                  <a:pt x="327959" y="-11498"/>
+                  <a:pt x="561703" y="0"/>
+                </a:cubicBezTo>
+                <a:cubicBezTo>
+                  <a:pt x="795447" y="11498"/>
+                  <a:pt x="838260" y="18255"/>
+                  <a:pt x="1077686" y="0"/>
+                </a:cubicBezTo>
+                <a:cubicBezTo>
+                  <a:pt x="1317112" y="-18255"/>
+                  <a:pt x="1437472" y="23514"/>
+                  <a:pt x="1639389" y="0"/>
+                </a:cubicBezTo>
+                <a:cubicBezTo>
+                  <a:pt x="1841306" y="-23514"/>
+                  <a:pt x="2037142" y="-12551"/>
+                  <a:pt x="2292531" y="0"/>
+                </a:cubicBezTo>
+                <a:cubicBezTo>
+                  <a:pt x="2547920" y="12551"/>
+                  <a:pt x="2810436" y="-20352"/>
+                  <a:pt x="2991394" y="0"/>
+                </a:cubicBezTo>
+                <a:cubicBezTo>
+                  <a:pt x="3172352" y="20352"/>
+                  <a:pt x="3530025" y="-13347"/>
+                  <a:pt x="3735977" y="0"/>
+                </a:cubicBezTo>
+                <a:cubicBezTo>
+                  <a:pt x="3941929" y="13347"/>
+                  <a:pt x="4161497" y="34086"/>
+                  <a:pt x="4572000" y="0"/>
+                </a:cubicBezTo>
+                <a:cubicBezTo>
+                  <a:pt x="4571545" y="6162"/>
+                  <a:pt x="4571903" y="11775"/>
+                  <a:pt x="4572000" y="18288"/>
+                </a:cubicBezTo>
+                <a:cubicBezTo>
+                  <a:pt x="4228040" y="36490"/>
+                  <a:pt x="4199736" y="42557"/>
+                  <a:pt x="3873137" y="18288"/>
+                </a:cubicBezTo>
+                <a:cubicBezTo>
+                  <a:pt x="3546538" y="-5981"/>
+                  <a:pt x="3472124" y="16809"/>
+                  <a:pt x="3128554" y="18288"/>
+                </a:cubicBezTo>
+                <a:cubicBezTo>
+                  <a:pt x="2784984" y="19767"/>
+                  <a:pt x="2735896" y="-17781"/>
+                  <a:pt x="2383971" y="18288"/>
+                </a:cubicBezTo>
+                <a:cubicBezTo>
+                  <a:pt x="2032046" y="54357"/>
+                  <a:pt x="2019324" y="2920"/>
+                  <a:pt x="1867989" y="18288"/>
+                </a:cubicBezTo>
+                <a:cubicBezTo>
+                  <a:pt x="1716654" y="33656"/>
+                  <a:pt x="1418675" y="32575"/>
+                  <a:pt x="1169126" y="18288"/>
+                </a:cubicBezTo>
+                <a:cubicBezTo>
+                  <a:pt x="919577" y="4001"/>
+                  <a:pt x="798537" y="16165"/>
+                  <a:pt x="561703" y="18288"/>
+                </a:cubicBezTo>
+                <a:cubicBezTo>
+                  <a:pt x="324869" y="20411"/>
+                  <a:pt x="221395" y="-912"/>
+                  <a:pt x="0" y="18288"/>
+                </a:cubicBezTo>
+                <a:cubicBezTo>
+                  <a:pt x="766" y="10800"/>
+                  <a:pt x="-457" y="8180"/>
+                  <a:pt x="0" y="0"/>
+                </a:cubicBezTo>
+                <a:close/>
+              </a:path>
+            </a:pathLst>
+          </a:custGeom>
+          <a:solidFill>
+            <a:schemeClr val="accent2"/>
+          </a:solidFill>
+          <a:ln w="41275" cap="rnd">
+            <a:solidFill>
+              <a:schemeClr val="accent2"/>
+            </a:solidFill>
+            <a:round/>
+            <a:extLst>
+              <a:ext uri="{C807C97D-BFC1-408E-A445-0C87EB9F89A2}">
+                <ask:lineSketchStyleProps xmlns:ask="http://schemas.microsoft.com/office/drawing/2018/sketchyshapes" sd="2727557108">
+                  <a:prstGeom prst="rect">
+                    <a:avLst/>
+                  </a:prstGeom>
+                  <ask:type>
+                    <ask:lineSketchFreehand/>
+                  </ask:type>
+                </ask:lineSketchStyleProps>
+              </a:ext>
+            </a:extLst>
+          </a:ln>
+        </p:spPr>
+        <p:style>
+          <a:lnRef idx="2">
+            <a:schemeClr val="accent1">
+              <a:shade val="50000"/>
+            </a:schemeClr>
+          </a:lnRef>
+          <a:fillRef idx="1">
+            <a:schemeClr val="accent1"/>
+          </a:fillRef>
+          <a:effectRef idx="0">
+            <a:schemeClr val="accent1"/>
+          </a:effectRef>
+          <a:fontRef idx="minor">
+            <a:schemeClr val="lt1"/>
+          </a:fontRef>
+        </p:style>
+        <p:txBody>
+          <a:bodyPr rtlCol="0" anchor="ctr"/>
+          <a:lstStyle/>
+          <a:p>
+            <a:pPr algn="ctr"/>
+            <a:endParaRPr lang="en-US"/>
+          </a:p>
+        </p:txBody>
+      </p:sp>
+      <p:pic>
+        <p:nvPicPr>
+          <p:cNvPr id="6" name="Picture 5">
+            <a:extLst>
+              <a:ext uri="{FF2B5EF4-FFF2-40B4-BE49-F238E27FC236}">
+                <a16:creationId xmlns:a16="http://schemas.microsoft.com/office/drawing/2014/main" id="{C7CEFB6C-9241-0714-63A1-43A77647C699}"/>
+              </a:ext>
+            </a:extLst>
+          </p:cNvPr>
+          <p:cNvPicPr>
+            <a:picLocks noChangeAspect="1"/>
+          </p:cNvPicPr>
+          <p:nvPr/>
+        </p:nvPicPr>
+        <p:blipFill>
+          <a:blip r:embed="rId2"/>
+          <a:stretch>
+            <a:fillRect/>
+          </a:stretch>
+        </p:blipFill>
+        <p:spPr>
+          <a:xfrm>
+            <a:off x="1905869" y="2462119"/>
+            <a:ext cx="7851080" cy="4285076"/>
+          </a:xfrm>
+          <a:prstGeom prst="rect">
+            <a:avLst/>
+          </a:prstGeom>
+        </p:spPr>
+      </p:pic>
     </p:spTree>
     <p:extLst>
       <p:ext uri="{BB962C8B-B14F-4D97-AF65-F5344CB8AC3E}">
-        <p14:creationId xmlns:p14="http://schemas.microsoft.com/office/powerpoint/2010/main" val="2144778035"/>
+        <p14:creationId xmlns:p14="http://schemas.microsoft.com/office/powerpoint/2010/main" val="3157495584"/>
+      </p:ext>
+    </p:extLst>
+  </p:cSld>
+  <p:clrMapOvr>
+    <a:masterClrMapping/>
+  </p:clrMapOvr>
+</p:sld>
+</file>
+
+<file path=ppt/slides/slide8.xml><?xml version="1.0" encoding="utf-8"?>
+<p:sld xmlns:a="http://schemas.openxmlformats.org/drawingml/2006/main" xmlns:r="http://schemas.openxmlformats.org/officeDocument/2006/relationships" xmlns:p="http://schemas.openxmlformats.org/presentationml/2006/main">
+  <p:cSld>
+    <p:bg>
+      <p:bgPr>
+        <a:solidFill>
+          <a:schemeClr val="bg1"/>
+        </a:solidFill>
+        <a:effectLst/>
+      </p:bgPr>
+    </p:bg>
+    <p:spTree>
+      <p:nvGrpSpPr>
+        <p:cNvPr id="1" name=""/>
+        <p:cNvGrpSpPr/>
+        <p:nvPr/>
+      </p:nvGrpSpPr>
+      <p:grpSpPr>
+        <a:xfrm>
+          <a:off x="0" y="0"/>
+          <a:ext cx="0" cy="0"/>
+          <a:chOff x="0" y="0"/>
+          <a:chExt cx="0" cy="0"/>
+        </a:xfrm>
+      </p:grpSpPr>
+      <p:sp useBgFill="1">
+        <p:nvSpPr>
+          <p:cNvPr id="16" name="Rectangle 15">
+            <a:extLst>
+              <a:ext uri="{FF2B5EF4-FFF2-40B4-BE49-F238E27FC236}">
+                <a16:creationId xmlns:a16="http://schemas.microsoft.com/office/drawing/2014/main" id="{BCED4D40-4B67-4331-AC48-79B82B4A47D8}"/>
+              </a:ext>
+              <a:ext uri="{C183D7F6-B498-43B3-948B-1728B52AA6E4}">
+                <adec:decorative xmlns:adec="http://schemas.microsoft.com/office/drawing/2017/decorative" val="1"/>
+              </a:ext>
+            </a:extLst>
+          </p:cNvPr>
+          <p:cNvSpPr>
+            <a:spLocks noGrp="1" noRot="1" noChangeAspect="1" noMove="1" noResize="1" noEditPoints="1" noAdjustHandles="1" noChangeArrowheads="1" noChangeShapeType="1" noTextEdit="1"/>
+          </p:cNvSpPr>
+          <p:nvPr>
+            <p:extLst>
+              <p:ext uri="{386F3935-93C4-4BCD-93E2-E3B085C9AB24}">
+                <p16:designElem xmlns:p16="http://schemas.microsoft.com/office/powerpoint/2015/main" val="1"/>
+              </p:ext>
+            </p:extLst>
+          </p:nvPr>
+        </p:nvSpPr>
+        <p:spPr>
+          <a:xfrm>
+            <a:off x="0" y="0"/>
+            <a:ext cx="12192000" cy="6858000"/>
+          </a:xfrm>
+          <a:prstGeom prst="rect">
+            <a:avLst/>
+          </a:prstGeom>
+          <a:ln>
+            <a:noFill/>
+          </a:ln>
+        </p:spPr>
+        <p:style>
+          <a:lnRef idx="2">
+            <a:schemeClr val="accent1">
+              <a:shade val="50000"/>
+            </a:schemeClr>
+          </a:lnRef>
+          <a:fillRef idx="1">
+            <a:schemeClr val="accent1"/>
+          </a:fillRef>
+          <a:effectRef idx="0">
+            <a:schemeClr val="accent1"/>
+          </a:effectRef>
+          <a:fontRef idx="minor">
+            <a:schemeClr val="lt1"/>
+          </a:fontRef>
+        </p:style>
+        <p:txBody>
+          <a:bodyPr rtlCol="0" anchor="ctr"/>
+          <a:lstStyle/>
+          <a:p>
+            <a:pPr algn="ctr"/>
+            <a:endParaRPr lang="en-US"/>
+          </a:p>
+        </p:txBody>
+      </p:sp>
+      <p:sp>
+        <p:nvSpPr>
+          <p:cNvPr id="2" name="Title 1">
+            <a:extLst>
+              <a:ext uri="{FF2B5EF4-FFF2-40B4-BE49-F238E27FC236}">
+                <a16:creationId xmlns:a16="http://schemas.microsoft.com/office/drawing/2014/main" id="{253048AC-8D04-0CEB-5174-D3B6D67AA674}"/>
+              </a:ext>
+            </a:extLst>
+          </p:cNvPr>
+          <p:cNvSpPr>
+            <a:spLocks noGrp="1"/>
+          </p:cNvSpPr>
+          <p:nvPr>
+            <p:ph type="title"/>
+          </p:nvPr>
+        </p:nvSpPr>
+        <p:spPr>
+          <a:xfrm>
+            <a:off x="638881" y="417576"/>
+            <a:ext cx="10909640" cy="1249394"/>
+          </a:xfrm>
+        </p:spPr>
+        <p:txBody>
+          <a:bodyPr vert="horz" lIns="91440" tIns="45720" rIns="91440" bIns="45720" rtlCol="0" anchor="ctr">
+            <a:normAutofit/>
+          </a:bodyPr>
+          <a:lstStyle/>
+          <a:p>
+            <a:pPr algn="ctr"/>
+            <a:r>
+              <a:rPr lang="en-US" sz="4100" kern="1200" dirty="0" err="1">
+                <a:solidFill>
+                  <a:schemeClr val="tx1"/>
+                </a:solidFill>
+                <a:latin typeface="+mj-lt"/>
+                <a:ea typeface="+mj-ea"/>
+                <a:cs typeface="+mj-cs"/>
+              </a:rPr>
+              <a:t>Generalised</a:t>
+            </a:r>
+            <a:r>
+              <a:rPr lang="en-US" sz="4100" kern="1200" dirty="0">
+                <a:solidFill>
+                  <a:schemeClr val="tx1"/>
+                </a:solidFill>
+                <a:latin typeface="+mj-lt"/>
+                <a:ea typeface="+mj-ea"/>
+                <a:cs typeface="+mj-cs"/>
+              </a:rPr>
+              <a:t>		Additive		</a:t>
+            </a:r>
+            <a:r>
+              <a:rPr lang="en-US" sz="4100" b="1" kern="1200" dirty="0">
+                <a:solidFill>
+                  <a:schemeClr val="tx1"/>
+                </a:solidFill>
+                <a:latin typeface="+mj-lt"/>
+                <a:ea typeface="+mj-ea"/>
+                <a:cs typeface="+mj-cs"/>
+              </a:rPr>
+              <a:t>Mixed</a:t>
+            </a:r>
+            <a:r>
+              <a:rPr lang="en-US" sz="4100" kern="1200" dirty="0">
+                <a:solidFill>
+                  <a:schemeClr val="tx1"/>
+                </a:solidFill>
+                <a:latin typeface="+mj-lt"/>
+                <a:ea typeface="+mj-ea"/>
+                <a:cs typeface="+mj-cs"/>
+              </a:rPr>
+              <a:t>		Model</a:t>
+            </a:r>
+          </a:p>
+        </p:txBody>
+      </p:sp>
+      <p:sp>
+        <p:nvSpPr>
+          <p:cNvPr id="3" name="Content Placeholder 2">
+            <a:extLst>
+              <a:ext uri="{FF2B5EF4-FFF2-40B4-BE49-F238E27FC236}">
+                <a16:creationId xmlns:a16="http://schemas.microsoft.com/office/drawing/2014/main" id="{8361A87F-B198-3662-5A9C-FBC5700671D4}"/>
+              </a:ext>
+            </a:extLst>
+          </p:cNvPr>
+          <p:cNvSpPr>
+            <a:spLocks noGrp="1"/>
+          </p:cNvSpPr>
+          <p:nvPr>
+            <p:ph idx="1"/>
+          </p:nvPr>
+        </p:nvSpPr>
+        <p:spPr>
+          <a:xfrm>
+            <a:off x="638881" y="1809541"/>
+            <a:ext cx="10909643" cy="687406"/>
+          </a:xfrm>
+        </p:spPr>
+        <p:txBody>
+          <a:bodyPr vert="horz" lIns="91440" tIns="45720" rIns="91440" bIns="45720" rtlCol="0" anchor="ctr">
+            <a:normAutofit/>
+          </a:bodyPr>
+          <a:lstStyle/>
+          <a:p>
+            <a:pPr marL="0" indent="0" algn="ctr">
+              <a:buNone/>
+            </a:pPr>
+            <a:endParaRPr lang="en-US" sz="2400" kern="1200" dirty="0">
+              <a:solidFill>
+                <a:schemeClr val="tx1"/>
+              </a:solidFill>
+              <a:latin typeface="+mn-lt"/>
+              <a:ea typeface="+mn-ea"/>
+              <a:cs typeface="+mn-cs"/>
+            </a:endParaRPr>
+          </a:p>
+        </p:txBody>
+      </p:sp>
+      <p:sp>
+        <p:nvSpPr>
+          <p:cNvPr id="18" name="sketch line">
+            <a:extLst>
+              <a:ext uri="{FF2B5EF4-FFF2-40B4-BE49-F238E27FC236}">
+                <a16:creationId xmlns:a16="http://schemas.microsoft.com/office/drawing/2014/main" id="{670CEDEF-4F34-412E-84EE-329C1E936AF5}"/>
+              </a:ext>
+              <a:ext uri="{C183D7F6-B498-43B3-948B-1728B52AA6E4}">
+                <adec:decorative xmlns:adec="http://schemas.microsoft.com/office/drawing/2017/decorative" val="1"/>
+              </a:ext>
+            </a:extLst>
+          </p:cNvPr>
+          <p:cNvSpPr>
+            <a:spLocks noGrp="1" noRot="1" noChangeAspect="1" noMove="1" noResize="1" noEditPoints="1" noAdjustHandles="1" noChangeArrowheads="1" noChangeShapeType="1" noTextEdit="1"/>
+          </p:cNvSpPr>
+          <p:nvPr>
+            <p:extLst>
+              <p:ext uri="{386F3935-93C4-4BCD-93E2-E3B085C9AB24}">
+                <p16:designElem xmlns:p16="http://schemas.microsoft.com/office/powerpoint/2015/main" val="1"/>
+              </p:ext>
+            </p:extLst>
+          </p:nvPr>
+        </p:nvSpPr>
+        <p:spPr>
+          <a:xfrm>
+            <a:off x="3807702" y="1733454"/>
+            <a:ext cx="4572000" cy="18288"/>
+          </a:xfrm>
+          <a:custGeom>
+            <a:avLst/>
+            <a:gdLst>
+              <a:gd name="connsiteX0" fmla="*/ 0 w 4572000"/>
+              <a:gd name="connsiteY0" fmla="*/ 0 h 18288"/>
+              <a:gd name="connsiteX1" fmla="*/ 515983 w 4572000"/>
+              <a:gd name="connsiteY1" fmla="*/ 0 h 18288"/>
+              <a:gd name="connsiteX2" fmla="*/ 1031966 w 4572000"/>
+              <a:gd name="connsiteY2" fmla="*/ 0 h 18288"/>
+              <a:gd name="connsiteX3" fmla="*/ 1639389 w 4572000"/>
+              <a:gd name="connsiteY3" fmla="*/ 0 h 18288"/>
+              <a:gd name="connsiteX4" fmla="*/ 2383971 w 4572000"/>
+              <a:gd name="connsiteY4" fmla="*/ 0 h 18288"/>
+              <a:gd name="connsiteX5" fmla="*/ 2945674 w 4572000"/>
+              <a:gd name="connsiteY5" fmla="*/ 0 h 18288"/>
+              <a:gd name="connsiteX6" fmla="*/ 3507377 w 4572000"/>
+              <a:gd name="connsiteY6" fmla="*/ 0 h 18288"/>
+              <a:gd name="connsiteX7" fmla="*/ 4572000 w 4572000"/>
+              <a:gd name="connsiteY7" fmla="*/ 0 h 18288"/>
+              <a:gd name="connsiteX8" fmla="*/ 4572000 w 4572000"/>
+              <a:gd name="connsiteY8" fmla="*/ 18288 h 18288"/>
+              <a:gd name="connsiteX9" fmla="*/ 3873137 w 4572000"/>
+              <a:gd name="connsiteY9" fmla="*/ 18288 h 18288"/>
+              <a:gd name="connsiteX10" fmla="*/ 3311434 w 4572000"/>
+              <a:gd name="connsiteY10" fmla="*/ 18288 h 18288"/>
+              <a:gd name="connsiteX11" fmla="*/ 2749731 w 4572000"/>
+              <a:gd name="connsiteY11" fmla="*/ 18288 h 18288"/>
+              <a:gd name="connsiteX12" fmla="*/ 2050869 w 4572000"/>
+              <a:gd name="connsiteY12" fmla="*/ 18288 h 18288"/>
+              <a:gd name="connsiteX13" fmla="*/ 1306286 w 4572000"/>
+              <a:gd name="connsiteY13" fmla="*/ 18288 h 18288"/>
+              <a:gd name="connsiteX14" fmla="*/ 790303 w 4572000"/>
+              <a:gd name="connsiteY14" fmla="*/ 18288 h 18288"/>
+              <a:gd name="connsiteX15" fmla="*/ 0 w 4572000"/>
+              <a:gd name="connsiteY15" fmla="*/ 18288 h 18288"/>
+              <a:gd name="connsiteX16" fmla="*/ 0 w 4572000"/>
+              <a:gd name="connsiteY16" fmla="*/ 0 h 18288"/>
+            </a:gdLst>
+            <a:ahLst/>
+            <a:cxnLst>
+              <a:cxn ang="0">
+                <a:pos x="connsiteX0" y="connsiteY0"/>
+              </a:cxn>
+              <a:cxn ang="0">
+                <a:pos x="connsiteX1" y="connsiteY1"/>
+              </a:cxn>
+              <a:cxn ang="0">
+                <a:pos x="connsiteX2" y="connsiteY2"/>
+              </a:cxn>
+              <a:cxn ang="0">
+                <a:pos x="connsiteX3" y="connsiteY3"/>
+              </a:cxn>
+              <a:cxn ang="0">
+                <a:pos x="connsiteX4" y="connsiteY4"/>
+              </a:cxn>
+              <a:cxn ang="0">
+                <a:pos x="connsiteX5" y="connsiteY5"/>
+              </a:cxn>
+              <a:cxn ang="0">
+                <a:pos x="connsiteX6" y="connsiteY6"/>
+              </a:cxn>
+              <a:cxn ang="0">
+                <a:pos x="connsiteX7" y="connsiteY7"/>
+              </a:cxn>
+              <a:cxn ang="0">
+                <a:pos x="connsiteX8" y="connsiteY8"/>
+              </a:cxn>
+              <a:cxn ang="0">
+                <a:pos x="connsiteX9" y="connsiteY9"/>
+              </a:cxn>
+              <a:cxn ang="0">
+                <a:pos x="connsiteX10" y="connsiteY10"/>
+              </a:cxn>
+              <a:cxn ang="0">
+                <a:pos x="connsiteX11" y="connsiteY11"/>
+              </a:cxn>
+              <a:cxn ang="0">
+                <a:pos x="connsiteX12" y="connsiteY12"/>
+              </a:cxn>
+              <a:cxn ang="0">
+                <a:pos x="connsiteX13" y="connsiteY13"/>
+              </a:cxn>
+              <a:cxn ang="0">
+                <a:pos x="connsiteX14" y="connsiteY14"/>
+              </a:cxn>
+              <a:cxn ang="0">
+                <a:pos x="connsiteX15" y="connsiteY15"/>
+              </a:cxn>
+              <a:cxn ang="0">
+                <a:pos x="connsiteX16" y="connsiteY16"/>
+              </a:cxn>
+            </a:cxnLst>
+            <a:rect l="l" t="t" r="r" b="b"/>
+            <a:pathLst>
+              <a:path w="4572000" h="18288" fill="none" extrusionOk="0">
+                <a:moveTo>
+                  <a:pt x="0" y="0"/>
+                </a:moveTo>
+                <a:cubicBezTo>
+                  <a:pt x="105156" y="-20963"/>
+                  <a:pt x="340432" y="822"/>
+                  <a:pt x="515983" y="0"/>
+                </a:cubicBezTo>
+                <a:cubicBezTo>
+                  <a:pt x="691534" y="-822"/>
+                  <a:pt x="850679" y="16479"/>
+                  <a:pt x="1031966" y="0"/>
+                </a:cubicBezTo>
+                <a:cubicBezTo>
+                  <a:pt x="1213253" y="-16479"/>
+                  <a:pt x="1443646" y="-18730"/>
+                  <a:pt x="1639389" y="0"/>
+                </a:cubicBezTo>
+                <a:cubicBezTo>
+                  <a:pt x="1835132" y="18730"/>
+                  <a:pt x="2159975" y="18531"/>
+                  <a:pt x="2383971" y="0"/>
+                </a:cubicBezTo>
+                <a:cubicBezTo>
+                  <a:pt x="2607967" y="-18531"/>
+                  <a:pt x="2719096" y="-12030"/>
+                  <a:pt x="2945674" y="0"/>
+                </a:cubicBezTo>
+                <a:cubicBezTo>
+                  <a:pt x="3172252" y="12030"/>
+                  <a:pt x="3269167" y="27666"/>
+                  <a:pt x="3507377" y="0"/>
+                </a:cubicBezTo>
+                <a:cubicBezTo>
+                  <a:pt x="3745587" y="-27666"/>
+                  <a:pt x="4116741" y="18705"/>
+                  <a:pt x="4572000" y="0"/>
+                </a:cubicBezTo>
+                <a:cubicBezTo>
+                  <a:pt x="4572895" y="8974"/>
+                  <a:pt x="4571454" y="9359"/>
+                  <a:pt x="4572000" y="18288"/>
+                </a:cubicBezTo>
+                <a:cubicBezTo>
+                  <a:pt x="4374698" y="3942"/>
+                  <a:pt x="4098874" y="-11042"/>
+                  <a:pt x="3873137" y="18288"/>
+                </a:cubicBezTo>
+                <a:cubicBezTo>
+                  <a:pt x="3647400" y="47618"/>
+                  <a:pt x="3517055" y="5421"/>
+                  <a:pt x="3311434" y="18288"/>
+                </a:cubicBezTo>
+                <a:cubicBezTo>
+                  <a:pt x="3105813" y="31155"/>
+                  <a:pt x="3025168" y="17856"/>
+                  <a:pt x="2749731" y="18288"/>
+                </a:cubicBezTo>
+                <a:cubicBezTo>
+                  <a:pt x="2474294" y="18720"/>
+                  <a:pt x="2291766" y="-14168"/>
+                  <a:pt x="2050869" y="18288"/>
+                </a:cubicBezTo>
+                <a:cubicBezTo>
+                  <a:pt x="1809972" y="50744"/>
+                  <a:pt x="1540276" y="46798"/>
+                  <a:pt x="1306286" y="18288"/>
+                </a:cubicBezTo>
+                <a:cubicBezTo>
+                  <a:pt x="1072296" y="-10222"/>
+                  <a:pt x="972445" y="19645"/>
+                  <a:pt x="790303" y="18288"/>
+                </a:cubicBezTo>
+                <a:cubicBezTo>
+                  <a:pt x="608161" y="16931"/>
+                  <a:pt x="200981" y="8241"/>
+                  <a:pt x="0" y="18288"/>
+                </a:cubicBezTo>
+                <a:cubicBezTo>
+                  <a:pt x="-229" y="14222"/>
+                  <a:pt x="509" y="5816"/>
+                  <a:pt x="0" y="0"/>
+                </a:cubicBezTo>
+                <a:close/>
+              </a:path>
+              <a:path w="4572000" h="18288" stroke="0" extrusionOk="0">
+                <a:moveTo>
+                  <a:pt x="0" y="0"/>
+                </a:moveTo>
+                <a:cubicBezTo>
+                  <a:pt x="143285" y="-9565"/>
+                  <a:pt x="327959" y="-11498"/>
+                  <a:pt x="561703" y="0"/>
+                </a:cubicBezTo>
+                <a:cubicBezTo>
+                  <a:pt x="795447" y="11498"/>
+                  <a:pt x="838260" y="18255"/>
+                  <a:pt x="1077686" y="0"/>
+                </a:cubicBezTo>
+                <a:cubicBezTo>
+                  <a:pt x="1317112" y="-18255"/>
+                  <a:pt x="1437472" y="23514"/>
+                  <a:pt x="1639389" y="0"/>
+                </a:cubicBezTo>
+                <a:cubicBezTo>
+                  <a:pt x="1841306" y="-23514"/>
+                  <a:pt x="2037142" y="-12551"/>
+                  <a:pt x="2292531" y="0"/>
+                </a:cubicBezTo>
+                <a:cubicBezTo>
+                  <a:pt x="2547920" y="12551"/>
+                  <a:pt x="2810436" y="-20352"/>
+                  <a:pt x="2991394" y="0"/>
+                </a:cubicBezTo>
+                <a:cubicBezTo>
+                  <a:pt x="3172352" y="20352"/>
+                  <a:pt x="3530025" y="-13347"/>
+                  <a:pt x="3735977" y="0"/>
+                </a:cubicBezTo>
+                <a:cubicBezTo>
+                  <a:pt x="3941929" y="13347"/>
+                  <a:pt x="4161497" y="34086"/>
+                  <a:pt x="4572000" y="0"/>
+                </a:cubicBezTo>
+                <a:cubicBezTo>
+                  <a:pt x="4571545" y="6162"/>
+                  <a:pt x="4571903" y="11775"/>
+                  <a:pt x="4572000" y="18288"/>
+                </a:cubicBezTo>
+                <a:cubicBezTo>
+                  <a:pt x="4228040" y="36490"/>
+                  <a:pt x="4199736" y="42557"/>
+                  <a:pt x="3873137" y="18288"/>
+                </a:cubicBezTo>
+                <a:cubicBezTo>
+                  <a:pt x="3546538" y="-5981"/>
+                  <a:pt x="3472124" y="16809"/>
+                  <a:pt x="3128554" y="18288"/>
+                </a:cubicBezTo>
+                <a:cubicBezTo>
+                  <a:pt x="2784984" y="19767"/>
+                  <a:pt x="2735896" y="-17781"/>
+                  <a:pt x="2383971" y="18288"/>
+                </a:cubicBezTo>
+                <a:cubicBezTo>
+                  <a:pt x="2032046" y="54357"/>
+                  <a:pt x="2019324" y="2920"/>
+                  <a:pt x="1867989" y="18288"/>
+                </a:cubicBezTo>
+                <a:cubicBezTo>
+                  <a:pt x="1716654" y="33656"/>
+                  <a:pt x="1418675" y="32575"/>
+                  <a:pt x="1169126" y="18288"/>
+                </a:cubicBezTo>
+                <a:cubicBezTo>
+                  <a:pt x="919577" y="4001"/>
+                  <a:pt x="798537" y="16165"/>
+                  <a:pt x="561703" y="18288"/>
+                </a:cubicBezTo>
+                <a:cubicBezTo>
+                  <a:pt x="324869" y="20411"/>
+                  <a:pt x="221395" y="-912"/>
+                  <a:pt x="0" y="18288"/>
+                </a:cubicBezTo>
+                <a:cubicBezTo>
+                  <a:pt x="766" y="10800"/>
+                  <a:pt x="-457" y="8180"/>
+                  <a:pt x="0" y="0"/>
+                </a:cubicBezTo>
+                <a:close/>
+              </a:path>
+            </a:pathLst>
+          </a:custGeom>
+          <a:solidFill>
+            <a:schemeClr val="accent2"/>
+          </a:solidFill>
+          <a:ln w="41275" cap="rnd">
+            <a:solidFill>
+              <a:schemeClr val="accent2"/>
+            </a:solidFill>
+            <a:round/>
+            <a:extLst>
+              <a:ext uri="{C807C97D-BFC1-408E-A445-0C87EB9F89A2}">
+                <ask:lineSketchStyleProps xmlns:ask="http://schemas.microsoft.com/office/drawing/2018/sketchyshapes" sd="2727557108">
+                  <a:prstGeom prst="rect">
+                    <a:avLst/>
+                  </a:prstGeom>
+                  <ask:type>
+                    <ask:lineSketchFreehand/>
+                  </ask:type>
+                </ask:lineSketchStyleProps>
+              </a:ext>
+            </a:extLst>
+          </a:ln>
+        </p:spPr>
+        <p:style>
+          <a:lnRef idx="2">
+            <a:schemeClr val="accent1">
+              <a:shade val="50000"/>
+            </a:schemeClr>
+          </a:lnRef>
+          <a:fillRef idx="1">
+            <a:schemeClr val="accent1"/>
+          </a:fillRef>
+          <a:effectRef idx="0">
+            <a:schemeClr val="accent1"/>
+          </a:effectRef>
+          <a:fontRef idx="minor">
+            <a:schemeClr val="lt1"/>
+          </a:fontRef>
+        </p:style>
+        <p:txBody>
+          <a:bodyPr rtlCol="0" anchor="ctr"/>
+          <a:lstStyle/>
+          <a:p>
+            <a:pPr algn="ctr"/>
+            <a:endParaRPr lang="en-US"/>
+          </a:p>
+        </p:txBody>
+      </p:sp>
+      <p:pic>
+        <p:nvPicPr>
+          <p:cNvPr id="6" name="Picture 5">
+            <a:extLst>
+              <a:ext uri="{FF2B5EF4-FFF2-40B4-BE49-F238E27FC236}">
+                <a16:creationId xmlns:a16="http://schemas.microsoft.com/office/drawing/2014/main" id="{C7CEFB6C-9241-0714-63A1-43A77647C699}"/>
+              </a:ext>
+            </a:extLst>
+          </p:cNvPr>
+          <p:cNvPicPr>
+            <a:picLocks noChangeAspect="1"/>
+          </p:cNvPicPr>
+          <p:nvPr/>
+        </p:nvPicPr>
+        <p:blipFill>
+          <a:blip r:embed="rId2"/>
+          <a:stretch>
+            <a:fillRect/>
+          </a:stretch>
+        </p:blipFill>
+        <p:spPr>
+          <a:xfrm>
+            <a:off x="1905869" y="2462119"/>
+            <a:ext cx="7851080" cy="4285076"/>
+          </a:xfrm>
+          <a:prstGeom prst="rect">
+            <a:avLst/>
+          </a:prstGeom>
+        </p:spPr>
+      </p:pic>
+    </p:spTree>
+    <p:extLst>
+      <p:ext uri="{BB962C8B-B14F-4D97-AF65-F5344CB8AC3E}">
+        <p14:creationId xmlns:p14="http://schemas.microsoft.com/office/powerpoint/2010/main" val="3154094398"/>
+      </p:ext>
+    </p:extLst>
+  </p:cSld>
+  <p:clrMapOvr>
+    <a:masterClrMapping/>
+  </p:clrMapOvr>
+</p:sld>
+</file>
+
+<file path=ppt/slides/slide9.xml><?xml version="1.0" encoding="utf-8"?>
+<p:sld xmlns:a="http://schemas.openxmlformats.org/drawingml/2006/main" xmlns:r="http://schemas.openxmlformats.org/officeDocument/2006/relationships" xmlns:p="http://schemas.openxmlformats.org/presentationml/2006/main">
+  <p:cSld>
+    <p:bg>
+      <p:bgPr>
+        <a:solidFill>
+          <a:schemeClr val="bg1"/>
+        </a:solidFill>
+        <a:effectLst/>
+      </p:bgPr>
+    </p:bg>
+    <p:spTree>
+      <p:nvGrpSpPr>
+        <p:cNvPr id="1" name=""/>
+        <p:cNvGrpSpPr/>
+        <p:nvPr/>
+      </p:nvGrpSpPr>
+      <p:grpSpPr>
+        <a:xfrm>
+          <a:off x="0" y="0"/>
+          <a:ext cx="0" cy="0"/>
+          <a:chOff x="0" y="0"/>
+          <a:chExt cx="0" cy="0"/>
+        </a:xfrm>
+      </p:grpSpPr>
+      <p:sp useBgFill="1">
+        <p:nvSpPr>
+          <p:cNvPr id="16" name="Rectangle 15">
+            <a:extLst>
+              <a:ext uri="{FF2B5EF4-FFF2-40B4-BE49-F238E27FC236}">
+                <a16:creationId xmlns:a16="http://schemas.microsoft.com/office/drawing/2014/main" id="{BCED4D40-4B67-4331-AC48-79B82B4A47D8}"/>
+              </a:ext>
+              <a:ext uri="{C183D7F6-B498-43B3-948B-1728B52AA6E4}">
+                <adec:decorative xmlns:adec="http://schemas.microsoft.com/office/drawing/2017/decorative" val="1"/>
+              </a:ext>
+            </a:extLst>
+          </p:cNvPr>
+          <p:cNvSpPr>
+            <a:spLocks noGrp="1" noRot="1" noChangeAspect="1" noMove="1" noResize="1" noEditPoints="1" noAdjustHandles="1" noChangeArrowheads="1" noChangeShapeType="1" noTextEdit="1"/>
+          </p:cNvSpPr>
+          <p:nvPr>
+            <p:extLst>
+              <p:ext uri="{386F3935-93C4-4BCD-93E2-E3B085C9AB24}">
+                <p16:designElem xmlns:p16="http://schemas.microsoft.com/office/powerpoint/2015/main" val="1"/>
+              </p:ext>
+            </p:extLst>
+          </p:nvPr>
+        </p:nvSpPr>
+        <p:spPr>
+          <a:xfrm>
+            <a:off x="0" y="0"/>
+            <a:ext cx="12192000" cy="6858000"/>
+          </a:xfrm>
+          <a:prstGeom prst="rect">
+            <a:avLst/>
+          </a:prstGeom>
+          <a:ln>
+            <a:noFill/>
+          </a:ln>
+        </p:spPr>
+        <p:style>
+          <a:lnRef idx="2">
+            <a:schemeClr val="accent1">
+              <a:shade val="50000"/>
+            </a:schemeClr>
+          </a:lnRef>
+          <a:fillRef idx="1">
+            <a:schemeClr val="accent1"/>
+          </a:fillRef>
+          <a:effectRef idx="0">
+            <a:schemeClr val="accent1"/>
+          </a:effectRef>
+          <a:fontRef idx="minor">
+            <a:schemeClr val="lt1"/>
+          </a:fontRef>
+        </p:style>
+        <p:txBody>
+          <a:bodyPr rtlCol="0" anchor="ctr"/>
+          <a:lstStyle/>
+          <a:p>
+            <a:pPr algn="ctr"/>
+            <a:endParaRPr lang="en-US"/>
+          </a:p>
+        </p:txBody>
+      </p:sp>
+      <p:sp>
+        <p:nvSpPr>
+          <p:cNvPr id="2" name="Title 1">
+            <a:extLst>
+              <a:ext uri="{FF2B5EF4-FFF2-40B4-BE49-F238E27FC236}">
+                <a16:creationId xmlns:a16="http://schemas.microsoft.com/office/drawing/2014/main" id="{253048AC-8D04-0CEB-5174-D3B6D67AA674}"/>
+              </a:ext>
+            </a:extLst>
+          </p:cNvPr>
+          <p:cNvSpPr>
+            <a:spLocks noGrp="1"/>
+          </p:cNvSpPr>
+          <p:nvPr>
+            <p:ph type="title"/>
+          </p:nvPr>
+        </p:nvSpPr>
+        <p:spPr>
+          <a:xfrm>
+            <a:off x="638881" y="417576"/>
+            <a:ext cx="10909640" cy="1249394"/>
+          </a:xfrm>
+        </p:spPr>
+        <p:txBody>
+          <a:bodyPr vert="horz" lIns="91440" tIns="45720" rIns="91440" bIns="45720" rtlCol="0" anchor="ctr">
+            <a:normAutofit/>
+          </a:bodyPr>
+          <a:lstStyle/>
+          <a:p>
+            <a:pPr algn="ctr"/>
+            <a:r>
+              <a:rPr lang="en-US" sz="4100" kern="1200" dirty="0" err="1">
+                <a:solidFill>
+                  <a:schemeClr val="tx1"/>
+                </a:solidFill>
+                <a:latin typeface="+mj-lt"/>
+                <a:ea typeface="+mj-ea"/>
+                <a:cs typeface="+mj-cs"/>
+              </a:rPr>
+              <a:t>Generalised</a:t>
+            </a:r>
+            <a:r>
+              <a:rPr lang="en-US" sz="4100" kern="1200" dirty="0">
+                <a:solidFill>
+                  <a:schemeClr val="tx1"/>
+                </a:solidFill>
+                <a:latin typeface="+mj-lt"/>
+                <a:ea typeface="+mj-ea"/>
+                <a:cs typeface="+mj-cs"/>
+              </a:rPr>
+              <a:t>		Additive		</a:t>
+            </a:r>
+            <a:r>
+              <a:rPr lang="en-US" sz="4100" b="1" kern="1200" dirty="0">
+                <a:solidFill>
+                  <a:schemeClr val="tx1"/>
+                </a:solidFill>
+                <a:latin typeface="+mj-lt"/>
+                <a:ea typeface="+mj-ea"/>
+                <a:cs typeface="+mj-cs"/>
+              </a:rPr>
+              <a:t>Mixed</a:t>
+            </a:r>
+            <a:r>
+              <a:rPr lang="en-US" sz="4100" kern="1200" dirty="0">
+                <a:solidFill>
+                  <a:schemeClr val="tx1"/>
+                </a:solidFill>
+                <a:latin typeface="+mj-lt"/>
+                <a:ea typeface="+mj-ea"/>
+                <a:cs typeface="+mj-cs"/>
+              </a:rPr>
+              <a:t>		Model</a:t>
+            </a:r>
+          </a:p>
+        </p:txBody>
+      </p:sp>
+      <p:sp>
+        <p:nvSpPr>
+          <p:cNvPr id="3" name="Content Placeholder 2">
+            <a:extLst>
+              <a:ext uri="{FF2B5EF4-FFF2-40B4-BE49-F238E27FC236}">
+                <a16:creationId xmlns:a16="http://schemas.microsoft.com/office/drawing/2014/main" id="{8361A87F-B198-3662-5A9C-FBC5700671D4}"/>
+              </a:ext>
+            </a:extLst>
+          </p:cNvPr>
+          <p:cNvSpPr>
+            <a:spLocks noGrp="1"/>
+          </p:cNvSpPr>
+          <p:nvPr>
+            <p:ph idx="1"/>
+          </p:nvPr>
+        </p:nvSpPr>
+        <p:spPr>
+          <a:xfrm>
+            <a:off x="638881" y="1809541"/>
+            <a:ext cx="10909643" cy="687406"/>
+          </a:xfrm>
+        </p:spPr>
+        <p:txBody>
+          <a:bodyPr vert="horz" lIns="91440" tIns="45720" rIns="91440" bIns="45720" rtlCol="0" anchor="ctr">
+            <a:normAutofit/>
+          </a:bodyPr>
+          <a:lstStyle/>
+          <a:p>
+            <a:pPr marL="0" indent="0" algn="ctr">
+              <a:buNone/>
+            </a:pPr>
+            <a:endParaRPr lang="en-US" sz="2400" kern="1200" dirty="0">
+              <a:solidFill>
+                <a:schemeClr val="tx1"/>
+              </a:solidFill>
+              <a:latin typeface="+mn-lt"/>
+              <a:ea typeface="+mn-ea"/>
+              <a:cs typeface="+mn-cs"/>
+            </a:endParaRPr>
+          </a:p>
+        </p:txBody>
+      </p:sp>
+      <p:sp>
+        <p:nvSpPr>
+          <p:cNvPr id="18" name="sketch line">
+            <a:extLst>
+              <a:ext uri="{FF2B5EF4-FFF2-40B4-BE49-F238E27FC236}">
+                <a16:creationId xmlns:a16="http://schemas.microsoft.com/office/drawing/2014/main" id="{670CEDEF-4F34-412E-84EE-329C1E936AF5}"/>
+              </a:ext>
+              <a:ext uri="{C183D7F6-B498-43B3-948B-1728B52AA6E4}">
+                <adec:decorative xmlns:adec="http://schemas.microsoft.com/office/drawing/2017/decorative" val="1"/>
+              </a:ext>
+            </a:extLst>
+          </p:cNvPr>
+          <p:cNvSpPr>
+            <a:spLocks noGrp="1" noRot="1" noChangeAspect="1" noMove="1" noResize="1" noEditPoints="1" noAdjustHandles="1" noChangeArrowheads="1" noChangeShapeType="1" noTextEdit="1"/>
+          </p:cNvSpPr>
+          <p:nvPr>
+            <p:extLst>
+              <p:ext uri="{386F3935-93C4-4BCD-93E2-E3B085C9AB24}">
+                <p16:designElem xmlns:p16="http://schemas.microsoft.com/office/powerpoint/2015/main" val="1"/>
+              </p:ext>
+            </p:extLst>
+          </p:nvPr>
+        </p:nvSpPr>
+        <p:spPr>
+          <a:xfrm>
+            <a:off x="3807702" y="1733454"/>
+            <a:ext cx="4572000" cy="18288"/>
+          </a:xfrm>
+          <a:custGeom>
+            <a:avLst/>
+            <a:gdLst>
+              <a:gd name="connsiteX0" fmla="*/ 0 w 4572000"/>
+              <a:gd name="connsiteY0" fmla="*/ 0 h 18288"/>
+              <a:gd name="connsiteX1" fmla="*/ 515983 w 4572000"/>
+              <a:gd name="connsiteY1" fmla="*/ 0 h 18288"/>
+              <a:gd name="connsiteX2" fmla="*/ 1031966 w 4572000"/>
+              <a:gd name="connsiteY2" fmla="*/ 0 h 18288"/>
+              <a:gd name="connsiteX3" fmla="*/ 1639389 w 4572000"/>
+              <a:gd name="connsiteY3" fmla="*/ 0 h 18288"/>
+              <a:gd name="connsiteX4" fmla="*/ 2383971 w 4572000"/>
+              <a:gd name="connsiteY4" fmla="*/ 0 h 18288"/>
+              <a:gd name="connsiteX5" fmla="*/ 2945674 w 4572000"/>
+              <a:gd name="connsiteY5" fmla="*/ 0 h 18288"/>
+              <a:gd name="connsiteX6" fmla="*/ 3507377 w 4572000"/>
+              <a:gd name="connsiteY6" fmla="*/ 0 h 18288"/>
+              <a:gd name="connsiteX7" fmla="*/ 4572000 w 4572000"/>
+              <a:gd name="connsiteY7" fmla="*/ 0 h 18288"/>
+              <a:gd name="connsiteX8" fmla="*/ 4572000 w 4572000"/>
+              <a:gd name="connsiteY8" fmla="*/ 18288 h 18288"/>
+              <a:gd name="connsiteX9" fmla="*/ 3873137 w 4572000"/>
+              <a:gd name="connsiteY9" fmla="*/ 18288 h 18288"/>
+              <a:gd name="connsiteX10" fmla="*/ 3311434 w 4572000"/>
+              <a:gd name="connsiteY10" fmla="*/ 18288 h 18288"/>
+              <a:gd name="connsiteX11" fmla="*/ 2749731 w 4572000"/>
+              <a:gd name="connsiteY11" fmla="*/ 18288 h 18288"/>
+              <a:gd name="connsiteX12" fmla="*/ 2050869 w 4572000"/>
+              <a:gd name="connsiteY12" fmla="*/ 18288 h 18288"/>
+              <a:gd name="connsiteX13" fmla="*/ 1306286 w 4572000"/>
+              <a:gd name="connsiteY13" fmla="*/ 18288 h 18288"/>
+              <a:gd name="connsiteX14" fmla="*/ 790303 w 4572000"/>
+              <a:gd name="connsiteY14" fmla="*/ 18288 h 18288"/>
+              <a:gd name="connsiteX15" fmla="*/ 0 w 4572000"/>
+              <a:gd name="connsiteY15" fmla="*/ 18288 h 18288"/>
+              <a:gd name="connsiteX16" fmla="*/ 0 w 4572000"/>
+              <a:gd name="connsiteY16" fmla="*/ 0 h 18288"/>
+            </a:gdLst>
+            <a:ahLst/>
+            <a:cxnLst>
+              <a:cxn ang="0">
+                <a:pos x="connsiteX0" y="connsiteY0"/>
+              </a:cxn>
+              <a:cxn ang="0">
+                <a:pos x="connsiteX1" y="connsiteY1"/>
+              </a:cxn>
+              <a:cxn ang="0">
+                <a:pos x="connsiteX2" y="connsiteY2"/>
+              </a:cxn>
+              <a:cxn ang="0">
+                <a:pos x="connsiteX3" y="connsiteY3"/>
+              </a:cxn>
+              <a:cxn ang="0">
+                <a:pos x="connsiteX4" y="connsiteY4"/>
+              </a:cxn>
+              <a:cxn ang="0">
+                <a:pos x="connsiteX5" y="connsiteY5"/>
+              </a:cxn>
+              <a:cxn ang="0">
+                <a:pos x="connsiteX6" y="connsiteY6"/>
+              </a:cxn>
+              <a:cxn ang="0">
+                <a:pos x="connsiteX7" y="connsiteY7"/>
+              </a:cxn>
+              <a:cxn ang="0">
+                <a:pos x="connsiteX8" y="connsiteY8"/>
+              </a:cxn>
+              <a:cxn ang="0">
+                <a:pos x="connsiteX9" y="connsiteY9"/>
+              </a:cxn>
+              <a:cxn ang="0">
+                <a:pos x="connsiteX10" y="connsiteY10"/>
+              </a:cxn>
+              <a:cxn ang="0">
+                <a:pos x="connsiteX11" y="connsiteY11"/>
+              </a:cxn>
+              <a:cxn ang="0">
+                <a:pos x="connsiteX12" y="connsiteY12"/>
+              </a:cxn>
+              <a:cxn ang="0">
+                <a:pos x="connsiteX13" y="connsiteY13"/>
+              </a:cxn>
+              <a:cxn ang="0">
+                <a:pos x="connsiteX14" y="connsiteY14"/>
+              </a:cxn>
+              <a:cxn ang="0">
+                <a:pos x="connsiteX15" y="connsiteY15"/>
+              </a:cxn>
+              <a:cxn ang="0">
+                <a:pos x="connsiteX16" y="connsiteY16"/>
+              </a:cxn>
+            </a:cxnLst>
+            <a:rect l="l" t="t" r="r" b="b"/>
+            <a:pathLst>
+              <a:path w="4572000" h="18288" fill="none" extrusionOk="0">
+                <a:moveTo>
+                  <a:pt x="0" y="0"/>
+                </a:moveTo>
+                <a:cubicBezTo>
+                  <a:pt x="105156" y="-20963"/>
+                  <a:pt x="340432" y="822"/>
+                  <a:pt x="515983" y="0"/>
+                </a:cubicBezTo>
+                <a:cubicBezTo>
+                  <a:pt x="691534" y="-822"/>
+                  <a:pt x="850679" y="16479"/>
+                  <a:pt x="1031966" y="0"/>
+                </a:cubicBezTo>
+                <a:cubicBezTo>
+                  <a:pt x="1213253" y="-16479"/>
+                  <a:pt x="1443646" y="-18730"/>
+                  <a:pt x="1639389" y="0"/>
+                </a:cubicBezTo>
+                <a:cubicBezTo>
+                  <a:pt x="1835132" y="18730"/>
+                  <a:pt x="2159975" y="18531"/>
+                  <a:pt x="2383971" y="0"/>
+                </a:cubicBezTo>
+                <a:cubicBezTo>
+                  <a:pt x="2607967" y="-18531"/>
+                  <a:pt x="2719096" y="-12030"/>
+                  <a:pt x="2945674" y="0"/>
+                </a:cubicBezTo>
+                <a:cubicBezTo>
+                  <a:pt x="3172252" y="12030"/>
+                  <a:pt x="3269167" y="27666"/>
+                  <a:pt x="3507377" y="0"/>
+                </a:cubicBezTo>
+                <a:cubicBezTo>
+                  <a:pt x="3745587" y="-27666"/>
+                  <a:pt x="4116741" y="18705"/>
+                  <a:pt x="4572000" y="0"/>
+                </a:cubicBezTo>
+                <a:cubicBezTo>
+                  <a:pt x="4572895" y="8974"/>
+                  <a:pt x="4571454" y="9359"/>
+                  <a:pt x="4572000" y="18288"/>
+                </a:cubicBezTo>
+                <a:cubicBezTo>
+                  <a:pt x="4374698" y="3942"/>
+                  <a:pt x="4098874" y="-11042"/>
+                  <a:pt x="3873137" y="18288"/>
+                </a:cubicBezTo>
+                <a:cubicBezTo>
+                  <a:pt x="3647400" y="47618"/>
+                  <a:pt x="3517055" y="5421"/>
+                  <a:pt x="3311434" y="18288"/>
+                </a:cubicBezTo>
+                <a:cubicBezTo>
+                  <a:pt x="3105813" y="31155"/>
+                  <a:pt x="3025168" y="17856"/>
+                  <a:pt x="2749731" y="18288"/>
+                </a:cubicBezTo>
+                <a:cubicBezTo>
+                  <a:pt x="2474294" y="18720"/>
+                  <a:pt x="2291766" y="-14168"/>
+                  <a:pt x="2050869" y="18288"/>
+                </a:cubicBezTo>
+                <a:cubicBezTo>
+                  <a:pt x="1809972" y="50744"/>
+                  <a:pt x="1540276" y="46798"/>
+                  <a:pt x="1306286" y="18288"/>
+                </a:cubicBezTo>
+                <a:cubicBezTo>
+                  <a:pt x="1072296" y="-10222"/>
+                  <a:pt x="972445" y="19645"/>
+                  <a:pt x="790303" y="18288"/>
+                </a:cubicBezTo>
+                <a:cubicBezTo>
+                  <a:pt x="608161" y="16931"/>
+                  <a:pt x="200981" y="8241"/>
+                  <a:pt x="0" y="18288"/>
+                </a:cubicBezTo>
+                <a:cubicBezTo>
+                  <a:pt x="-229" y="14222"/>
+                  <a:pt x="509" y="5816"/>
+                  <a:pt x="0" y="0"/>
+                </a:cubicBezTo>
+                <a:close/>
+              </a:path>
+              <a:path w="4572000" h="18288" stroke="0" extrusionOk="0">
+                <a:moveTo>
+                  <a:pt x="0" y="0"/>
+                </a:moveTo>
+                <a:cubicBezTo>
+                  <a:pt x="143285" y="-9565"/>
+                  <a:pt x="327959" y="-11498"/>
+                  <a:pt x="561703" y="0"/>
+                </a:cubicBezTo>
+                <a:cubicBezTo>
+                  <a:pt x="795447" y="11498"/>
+                  <a:pt x="838260" y="18255"/>
+                  <a:pt x="1077686" y="0"/>
+                </a:cubicBezTo>
+                <a:cubicBezTo>
+                  <a:pt x="1317112" y="-18255"/>
+                  <a:pt x="1437472" y="23514"/>
+                  <a:pt x="1639389" y="0"/>
+                </a:cubicBezTo>
+                <a:cubicBezTo>
+                  <a:pt x="1841306" y="-23514"/>
+                  <a:pt x="2037142" y="-12551"/>
+                  <a:pt x="2292531" y="0"/>
+                </a:cubicBezTo>
+                <a:cubicBezTo>
+                  <a:pt x="2547920" y="12551"/>
+                  <a:pt x="2810436" y="-20352"/>
+                  <a:pt x="2991394" y="0"/>
+                </a:cubicBezTo>
+                <a:cubicBezTo>
+                  <a:pt x="3172352" y="20352"/>
+                  <a:pt x="3530025" y="-13347"/>
+                  <a:pt x="3735977" y="0"/>
+                </a:cubicBezTo>
+                <a:cubicBezTo>
+                  <a:pt x="3941929" y="13347"/>
+                  <a:pt x="4161497" y="34086"/>
+                  <a:pt x="4572000" y="0"/>
+                </a:cubicBezTo>
+                <a:cubicBezTo>
+                  <a:pt x="4571545" y="6162"/>
+                  <a:pt x="4571903" y="11775"/>
+                  <a:pt x="4572000" y="18288"/>
+                </a:cubicBezTo>
+                <a:cubicBezTo>
+                  <a:pt x="4228040" y="36490"/>
+                  <a:pt x="4199736" y="42557"/>
+                  <a:pt x="3873137" y="18288"/>
+                </a:cubicBezTo>
+                <a:cubicBezTo>
+                  <a:pt x="3546538" y="-5981"/>
+                  <a:pt x="3472124" y="16809"/>
+                  <a:pt x="3128554" y="18288"/>
+                </a:cubicBezTo>
+                <a:cubicBezTo>
+                  <a:pt x="2784984" y="19767"/>
+                  <a:pt x="2735896" y="-17781"/>
+                  <a:pt x="2383971" y="18288"/>
+                </a:cubicBezTo>
+                <a:cubicBezTo>
+                  <a:pt x="2032046" y="54357"/>
+                  <a:pt x="2019324" y="2920"/>
+                  <a:pt x="1867989" y="18288"/>
+                </a:cubicBezTo>
+                <a:cubicBezTo>
+                  <a:pt x="1716654" y="33656"/>
+                  <a:pt x="1418675" y="32575"/>
+                  <a:pt x="1169126" y="18288"/>
+                </a:cubicBezTo>
+                <a:cubicBezTo>
+                  <a:pt x="919577" y="4001"/>
+                  <a:pt x="798537" y="16165"/>
+                  <a:pt x="561703" y="18288"/>
+                </a:cubicBezTo>
+                <a:cubicBezTo>
+                  <a:pt x="324869" y="20411"/>
+                  <a:pt x="221395" y="-912"/>
+                  <a:pt x="0" y="18288"/>
+                </a:cubicBezTo>
+                <a:cubicBezTo>
+                  <a:pt x="766" y="10800"/>
+                  <a:pt x="-457" y="8180"/>
+                  <a:pt x="0" y="0"/>
+                </a:cubicBezTo>
+                <a:close/>
+              </a:path>
+            </a:pathLst>
+          </a:custGeom>
+          <a:solidFill>
+            <a:schemeClr val="accent2"/>
+          </a:solidFill>
+          <a:ln w="41275" cap="rnd">
+            <a:solidFill>
+              <a:schemeClr val="accent2"/>
+            </a:solidFill>
+            <a:round/>
+            <a:extLst>
+              <a:ext uri="{C807C97D-BFC1-408E-A445-0C87EB9F89A2}">
+                <ask:lineSketchStyleProps xmlns:ask="http://schemas.microsoft.com/office/drawing/2018/sketchyshapes" sd="2727557108">
+                  <a:prstGeom prst="rect">
+                    <a:avLst/>
+                  </a:prstGeom>
+                  <ask:type>
+                    <ask:lineSketchFreehand/>
+                  </ask:type>
+                </ask:lineSketchStyleProps>
+              </a:ext>
+            </a:extLst>
+          </a:ln>
+        </p:spPr>
+        <p:style>
+          <a:lnRef idx="2">
+            <a:schemeClr val="accent1">
+              <a:shade val="50000"/>
+            </a:schemeClr>
+          </a:lnRef>
+          <a:fillRef idx="1">
+            <a:schemeClr val="accent1"/>
+          </a:fillRef>
+          <a:effectRef idx="0">
+            <a:schemeClr val="accent1"/>
+          </a:effectRef>
+          <a:fontRef idx="minor">
+            <a:schemeClr val="lt1"/>
+          </a:fontRef>
+        </p:style>
+        <p:txBody>
+          <a:bodyPr rtlCol="0" anchor="ctr"/>
+          <a:lstStyle/>
+          <a:p>
+            <a:pPr algn="ctr"/>
+            <a:endParaRPr lang="en-US"/>
+          </a:p>
+        </p:txBody>
+      </p:sp>
+      <p:pic>
+        <p:nvPicPr>
+          <p:cNvPr id="5" name="Picture 4">
+            <a:extLst>
+              <a:ext uri="{FF2B5EF4-FFF2-40B4-BE49-F238E27FC236}">
+                <a16:creationId xmlns:a16="http://schemas.microsoft.com/office/drawing/2014/main" id="{E68D997E-33A9-E3D6-2E41-00BE3BA7D4A3}"/>
+              </a:ext>
+            </a:extLst>
+          </p:cNvPr>
+          <p:cNvPicPr>
+            <a:picLocks noChangeAspect="1"/>
+          </p:cNvPicPr>
+          <p:nvPr/>
+        </p:nvPicPr>
+        <p:blipFill>
+          <a:blip r:embed="rId2"/>
+          <a:stretch>
+            <a:fillRect/>
+          </a:stretch>
+        </p:blipFill>
+        <p:spPr>
+          <a:xfrm>
+            <a:off x="404562" y="2260884"/>
+            <a:ext cx="11378278" cy="3908744"/>
+          </a:xfrm>
+          <a:prstGeom prst="rect">
+            <a:avLst/>
+          </a:prstGeom>
+        </p:spPr>
+      </p:pic>
+    </p:spTree>
+    <p:extLst>
+      <p:ext uri="{BB962C8B-B14F-4D97-AF65-F5344CB8AC3E}">
+        <p14:creationId xmlns:p14="http://schemas.microsoft.com/office/powerpoint/2010/main" val="2983458610"/>
       </p:ext>
     </p:extLst>
   </p:cSld>
@@ -5702,7 +9030,7 @@
 
 <file path=ppt/tags/tag1.xml><?xml version="1.0" encoding="utf-8"?>
 <p:tagLst xmlns:a="http://schemas.openxmlformats.org/drawingml/2006/main" xmlns:r="http://schemas.openxmlformats.org/officeDocument/2006/relationships" xmlns:p="http://schemas.openxmlformats.org/presentationml/2006/main">
-  <p:tag name="PRESGUID" val="06d20fd0-b552-4a85-bff6-754d4037487e"/>
+  <p:tag name="PRESGUID" val="c2c26e8c-2acf-4460-b3dd-ea3f2eabb59d"/>
 </p:tagLst>
 </file>
 
